--- a/ECLT5840/project-4/asgn4-spec.pptx
+++ b/ECLT5840/project-4/asgn4-spec.pptx
@@ -1,22 +1,22 @@
 
 <file path=ppt/presentation.xml><?xml version="1.0" encoding="utf-8"?>
-<p:presentation xmlns:a="http://schemas.openxmlformats.org/drawingml/2006/main" xmlns:r="http://schemas.openxmlformats.org/officeDocument/2006/relationships" xmlns:p="http://schemas.openxmlformats.org/presentationml/2006/main" saveSubsetFonts="1">
+<p:presentation xmlns:a="http://schemas.openxmlformats.org/drawingml/2006/main" xmlns:r="http://schemas.openxmlformats.org/officeDocument/2006/relationships" xmlns:p="http://schemas.openxmlformats.org/presentationml/2006/main">
   <p:sldMasterIdLst>
     <p:sldMasterId id="2147483648" r:id="rId1"/>
   </p:sldMasterIdLst>
   <p:sldIdLst>
-    <p:sldId id="256" r:id="rId2"/>
-    <p:sldId id="257" r:id="rId3"/>
-    <p:sldId id="284" r:id="rId4"/>
-    <p:sldId id="291" r:id="rId5"/>
-    <p:sldId id="292" r:id="rId6"/>
-    <p:sldId id="290" r:id="rId7"/>
-    <p:sldId id="289" r:id="rId8"/>
-    <p:sldId id="293" r:id="rId9"/>
-    <p:sldId id="294" r:id="rId10"/>
-    <p:sldId id="295" r:id="rId11"/>
-    <p:sldId id="288" r:id="rId12"/>
-    <p:sldId id="287" r:id="rId13"/>
+    <p:sldId id="256" r:id="rId3"/>
+    <p:sldId id="257" r:id="rId4"/>
+    <p:sldId id="284" r:id="rId5"/>
+    <p:sldId id="291" r:id="rId6"/>
+    <p:sldId id="292" r:id="rId7"/>
+    <p:sldId id="290" r:id="rId8"/>
+    <p:sldId id="289" r:id="rId9"/>
+    <p:sldId id="293" r:id="rId10"/>
+    <p:sldId id="294" r:id="rId11"/>
+    <p:sldId id="295" r:id="rId12"/>
+    <p:sldId id="288" r:id="rId13"/>
+    <p:sldId id="287" r:id="rId14"/>
   </p:sldIdLst>
   <p:sldSz cx="12192000" cy="6858000"/>
   <p:notesSz cx="6858000" cy="9144000"/>
@@ -115,11 +115,6 @@
       </a:defRPr>
     </a:lvl9pPr>
   </p:defaultTextStyle>
-  <p:extLst>
-    <p:ext uri="{EFAFB233-063F-42B5-8137-9DF3F51BA10A}">
-      <p15:sldGuideLst xmlns:p15="http://schemas.microsoft.com/office/powerpoint/2012/main"/>
-    </p:ext>
-  </p:extLst>
 </p:presentation>
 </file>
 
@@ -168,6 +163,7 @@
               <a:rPr lang="en-US"/>
               <a:t>Click to edit Master title style</a:t>
             </a:r>
+            <a:endParaRPr lang="en-US"/>
           </a:p>
         </p:txBody>
       </p:sp>
@@ -232,6 +228,7 @@
               <a:rPr lang="en-US"/>
               <a:t>Click to edit Master subtitle style</a:t>
             </a:r>
+            <a:endParaRPr lang="en-US"/>
           </a:p>
         </p:txBody>
       </p:sp>
@@ -252,7 +249,6 @@
           <a:p>
             <a:fld id="{059A2738-E188-4F9C-9F82-F2F1BEF15032}" type="datetimeFigureOut">
               <a:rPr lang="en-US" smtClean="0"/>
-              <a:t>11/21/2020</a:t>
             </a:fld>
             <a:endParaRPr lang="en-US"/>
           </a:p>
@@ -294,18 +290,12 @@
           <a:p>
             <a:fld id="{664804C1-4862-4058-8DD7-73CB3463550B}" type="slidenum">
               <a:rPr lang="en-US" smtClean="0"/>
-              <a:t>‹#›</a:t>
             </a:fld>
             <a:endParaRPr lang="en-US"/>
           </a:p>
         </p:txBody>
       </p:sp>
     </p:spTree>
-    <p:extLst>
-      <p:ext uri="{BB962C8B-B14F-4D97-AF65-F5344CB8AC3E}">
-        <p14:creationId xmlns:p14="http://schemas.microsoft.com/office/powerpoint/2010/main" val="712945056"/>
-      </p:ext>
-    </p:extLst>
   </p:cSld>
   <p:clrMapOvr>
     <a:masterClrMapping/>
@@ -349,6 +339,7 @@
               <a:rPr lang="en-US"/>
               <a:t>Click to edit Master title style</a:t>
             </a:r>
+            <a:endParaRPr lang="en-US"/>
           </a:p>
         </p:txBody>
       </p:sp>
@@ -372,6 +363,7 @@
               <a:rPr lang="en-US"/>
               <a:t>Edit Master text styles</a:t>
             </a:r>
+            <a:endParaRPr lang="en-US"/>
           </a:p>
           <a:p>
             <a:pPr lvl="1"/>
@@ -379,6 +371,7 @@
               <a:rPr lang="en-US"/>
               <a:t>Second level</a:t>
             </a:r>
+            <a:endParaRPr lang="en-US"/>
           </a:p>
           <a:p>
             <a:pPr lvl="2"/>
@@ -386,6 +379,7 @@
               <a:rPr lang="en-US"/>
               <a:t>Third level</a:t>
             </a:r>
+            <a:endParaRPr lang="en-US"/>
           </a:p>
           <a:p>
             <a:pPr lvl="3"/>
@@ -393,6 +387,7 @@
               <a:rPr lang="en-US"/>
               <a:t>Fourth level</a:t>
             </a:r>
+            <a:endParaRPr lang="en-US"/>
           </a:p>
           <a:p>
             <a:pPr lvl="4"/>
@@ -400,6 +395,7 @@
               <a:rPr lang="en-US"/>
               <a:t>Fifth level</a:t>
             </a:r>
+            <a:endParaRPr lang="en-US"/>
           </a:p>
         </p:txBody>
       </p:sp>
@@ -420,7 +416,6 @@
           <a:p>
             <a:fld id="{059A2738-E188-4F9C-9F82-F2F1BEF15032}" type="datetimeFigureOut">
               <a:rPr lang="en-US" smtClean="0"/>
-              <a:t>11/21/2020</a:t>
             </a:fld>
             <a:endParaRPr lang="en-US"/>
           </a:p>
@@ -462,18 +457,12 @@
           <a:p>
             <a:fld id="{664804C1-4862-4058-8DD7-73CB3463550B}" type="slidenum">
               <a:rPr lang="en-US" smtClean="0"/>
-              <a:t>‹#›</a:t>
             </a:fld>
             <a:endParaRPr lang="en-US"/>
           </a:p>
         </p:txBody>
       </p:sp>
     </p:spTree>
-    <p:extLst>
-      <p:ext uri="{BB962C8B-B14F-4D97-AF65-F5344CB8AC3E}">
-        <p14:creationId xmlns:p14="http://schemas.microsoft.com/office/powerpoint/2010/main" val="1275734604"/>
-      </p:ext>
-    </p:extLst>
   </p:cSld>
   <p:clrMapOvr>
     <a:masterClrMapping/>
@@ -522,6 +511,7 @@
               <a:rPr lang="en-US"/>
               <a:t>Click to edit Master title style</a:t>
             </a:r>
+            <a:endParaRPr lang="en-US"/>
           </a:p>
         </p:txBody>
       </p:sp>
@@ -550,6 +540,7 @@
               <a:rPr lang="en-US"/>
               <a:t>Edit Master text styles</a:t>
             </a:r>
+            <a:endParaRPr lang="en-US"/>
           </a:p>
           <a:p>
             <a:pPr lvl="1"/>
@@ -557,6 +548,7 @@
               <a:rPr lang="en-US"/>
               <a:t>Second level</a:t>
             </a:r>
+            <a:endParaRPr lang="en-US"/>
           </a:p>
           <a:p>
             <a:pPr lvl="2"/>
@@ -564,6 +556,7 @@
               <a:rPr lang="en-US"/>
               <a:t>Third level</a:t>
             </a:r>
+            <a:endParaRPr lang="en-US"/>
           </a:p>
           <a:p>
             <a:pPr lvl="3"/>
@@ -571,6 +564,7 @@
               <a:rPr lang="en-US"/>
               <a:t>Fourth level</a:t>
             </a:r>
+            <a:endParaRPr lang="en-US"/>
           </a:p>
           <a:p>
             <a:pPr lvl="4"/>
@@ -578,6 +572,7 @@
               <a:rPr lang="en-US"/>
               <a:t>Fifth level</a:t>
             </a:r>
+            <a:endParaRPr lang="en-US"/>
           </a:p>
         </p:txBody>
       </p:sp>
@@ -598,7 +593,6 @@
           <a:p>
             <a:fld id="{059A2738-E188-4F9C-9F82-F2F1BEF15032}" type="datetimeFigureOut">
               <a:rPr lang="en-US" smtClean="0"/>
-              <a:t>11/21/2020</a:t>
             </a:fld>
             <a:endParaRPr lang="en-US"/>
           </a:p>
@@ -640,18 +634,12 @@
           <a:p>
             <a:fld id="{664804C1-4862-4058-8DD7-73CB3463550B}" type="slidenum">
               <a:rPr lang="en-US" smtClean="0"/>
-              <a:t>‹#›</a:t>
             </a:fld>
             <a:endParaRPr lang="en-US"/>
           </a:p>
         </p:txBody>
       </p:sp>
     </p:spTree>
-    <p:extLst>
-      <p:ext uri="{BB962C8B-B14F-4D97-AF65-F5344CB8AC3E}">
-        <p14:creationId xmlns:p14="http://schemas.microsoft.com/office/powerpoint/2010/main" val="2587467674"/>
-      </p:ext>
-    </p:extLst>
   </p:cSld>
   <p:clrMapOvr>
     <a:masterClrMapping/>
@@ -695,6 +683,7 @@
               <a:rPr lang="en-US"/>
               <a:t>Click to edit Master title style</a:t>
             </a:r>
+            <a:endParaRPr lang="en-US"/>
           </a:p>
         </p:txBody>
       </p:sp>
@@ -718,6 +707,7 @@
               <a:rPr lang="en-US"/>
               <a:t>Edit Master text styles</a:t>
             </a:r>
+            <a:endParaRPr lang="en-US"/>
           </a:p>
           <a:p>
             <a:pPr lvl="1"/>
@@ -725,6 +715,7 @@
               <a:rPr lang="en-US"/>
               <a:t>Second level</a:t>
             </a:r>
+            <a:endParaRPr lang="en-US"/>
           </a:p>
           <a:p>
             <a:pPr lvl="2"/>
@@ -732,6 +723,7 @@
               <a:rPr lang="en-US"/>
               <a:t>Third level</a:t>
             </a:r>
+            <a:endParaRPr lang="en-US"/>
           </a:p>
           <a:p>
             <a:pPr lvl="3"/>
@@ -739,6 +731,7 @@
               <a:rPr lang="en-US"/>
               <a:t>Fourth level</a:t>
             </a:r>
+            <a:endParaRPr lang="en-US"/>
           </a:p>
           <a:p>
             <a:pPr lvl="4"/>
@@ -746,6 +739,7 @@
               <a:rPr lang="en-US"/>
               <a:t>Fifth level</a:t>
             </a:r>
+            <a:endParaRPr lang="en-US"/>
           </a:p>
         </p:txBody>
       </p:sp>
@@ -766,7 +760,6 @@
           <a:p>
             <a:fld id="{059A2738-E188-4F9C-9F82-F2F1BEF15032}" type="datetimeFigureOut">
               <a:rPr lang="en-US" smtClean="0"/>
-              <a:t>11/21/2020</a:t>
             </a:fld>
             <a:endParaRPr lang="en-US"/>
           </a:p>
@@ -808,18 +801,12 @@
           <a:p>
             <a:fld id="{664804C1-4862-4058-8DD7-73CB3463550B}" type="slidenum">
               <a:rPr lang="en-US" smtClean="0"/>
-              <a:t>‹#›</a:t>
             </a:fld>
             <a:endParaRPr lang="en-US"/>
           </a:p>
         </p:txBody>
       </p:sp>
     </p:spTree>
-    <p:extLst>
-      <p:ext uri="{BB962C8B-B14F-4D97-AF65-F5344CB8AC3E}">
-        <p14:creationId xmlns:p14="http://schemas.microsoft.com/office/powerpoint/2010/main" val="313619062"/>
-      </p:ext>
-    </p:extLst>
   </p:cSld>
   <p:clrMapOvr>
     <a:masterClrMapping/>
@@ -872,6 +859,7 @@
               <a:rPr lang="en-US"/>
               <a:t>Click to edit Master title style</a:t>
             </a:r>
+            <a:endParaRPr lang="en-US"/>
           </a:p>
         </p:txBody>
       </p:sp>
@@ -991,6 +979,7 @@
               <a:rPr lang="en-US"/>
               <a:t>Edit Master text styles</a:t>
             </a:r>
+            <a:endParaRPr lang="en-US"/>
           </a:p>
         </p:txBody>
       </p:sp>
@@ -1011,7 +1000,6 @@
           <a:p>
             <a:fld id="{059A2738-E188-4F9C-9F82-F2F1BEF15032}" type="datetimeFigureOut">
               <a:rPr lang="en-US" smtClean="0"/>
-              <a:t>11/21/2020</a:t>
             </a:fld>
             <a:endParaRPr lang="en-US"/>
           </a:p>
@@ -1053,18 +1041,12 @@
           <a:p>
             <a:fld id="{664804C1-4862-4058-8DD7-73CB3463550B}" type="slidenum">
               <a:rPr lang="en-US" smtClean="0"/>
-              <a:t>‹#›</a:t>
             </a:fld>
             <a:endParaRPr lang="en-US"/>
           </a:p>
         </p:txBody>
       </p:sp>
     </p:spTree>
-    <p:extLst>
-      <p:ext uri="{BB962C8B-B14F-4D97-AF65-F5344CB8AC3E}">
-        <p14:creationId xmlns:p14="http://schemas.microsoft.com/office/powerpoint/2010/main" val="928628308"/>
-      </p:ext>
-    </p:extLst>
   </p:cSld>
   <p:clrMapOvr>
     <a:masterClrMapping/>
@@ -1108,6 +1090,7 @@
               <a:rPr lang="en-US"/>
               <a:t>Click to edit Master title style</a:t>
             </a:r>
+            <a:endParaRPr lang="en-US"/>
           </a:p>
         </p:txBody>
       </p:sp>
@@ -1136,6 +1119,7 @@
               <a:rPr lang="en-US"/>
               <a:t>Edit Master text styles</a:t>
             </a:r>
+            <a:endParaRPr lang="en-US"/>
           </a:p>
           <a:p>
             <a:pPr lvl="1"/>
@@ -1143,6 +1127,7 @@
               <a:rPr lang="en-US"/>
               <a:t>Second level</a:t>
             </a:r>
+            <a:endParaRPr lang="en-US"/>
           </a:p>
           <a:p>
             <a:pPr lvl="2"/>
@@ -1150,6 +1135,7 @@
               <a:rPr lang="en-US"/>
               <a:t>Third level</a:t>
             </a:r>
+            <a:endParaRPr lang="en-US"/>
           </a:p>
           <a:p>
             <a:pPr lvl="3"/>
@@ -1157,6 +1143,7 @@
               <a:rPr lang="en-US"/>
               <a:t>Fourth level</a:t>
             </a:r>
+            <a:endParaRPr lang="en-US"/>
           </a:p>
           <a:p>
             <a:pPr lvl="4"/>
@@ -1164,6 +1151,7 @@
               <a:rPr lang="en-US"/>
               <a:t>Fifth level</a:t>
             </a:r>
+            <a:endParaRPr lang="en-US"/>
           </a:p>
         </p:txBody>
       </p:sp>
@@ -1192,6 +1180,7 @@
               <a:rPr lang="en-US"/>
               <a:t>Edit Master text styles</a:t>
             </a:r>
+            <a:endParaRPr lang="en-US"/>
           </a:p>
           <a:p>
             <a:pPr lvl="1"/>
@@ -1199,6 +1188,7 @@
               <a:rPr lang="en-US"/>
               <a:t>Second level</a:t>
             </a:r>
+            <a:endParaRPr lang="en-US"/>
           </a:p>
           <a:p>
             <a:pPr lvl="2"/>
@@ -1206,6 +1196,7 @@
               <a:rPr lang="en-US"/>
               <a:t>Third level</a:t>
             </a:r>
+            <a:endParaRPr lang="en-US"/>
           </a:p>
           <a:p>
             <a:pPr lvl="3"/>
@@ -1213,6 +1204,7 @@
               <a:rPr lang="en-US"/>
               <a:t>Fourth level</a:t>
             </a:r>
+            <a:endParaRPr lang="en-US"/>
           </a:p>
           <a:p>
             <a:pPr lvl="4"/>
@@ -1220,6 +1212,7 @@
               <a:rPr lang="en-US"/>
               <a:t>Fifth level</a:t>
             </a:r>
+            <a:endParaRPr lang="en-US"/>
           </a:p>
         </p:txBody>
       </p:sp>
@@ -1240,7 +1233,6 @@
           <a:p>
             <a:fld id="{059A2738-E188-4F9C-9F82-F2F1BEF15032}" type="datetimeFigureOut">
               <a:rPr lang="en-US" smtClean="0"/>
-              <a:t>11/21/2020</a:t>
             </a:fld>
             <a:endParaRPr lang="en-US"/>
           </a:p>
@@ -1282,18 +1274,12 @@
           <a:p>
             <a:fld id="{664804C1-4862-4058-8DD7-73CB3463550B}" type="slidenum">
               <a:rPr lang="en-US" smtClean="0"/>
-              <a:t>‹#›</a:t>
             </a:fld>
             <a:endParaRPr lang="en-US"/>
           </a:p>
         </p:txBody>
       </p:sp>
     </p:spTree>
-    <p:extLst>
-      <p:ext uri="{BB962C8B-B14F-4D97-AF65-F5344CB8AC3E}">
-        <p14:creationId xmlns:p14="http://schemas.microsoft.com/office/powerpoint/2010/main" val="1323528442"/>
-      </p:ext>
-    </p:extLst>
   </p:cSld>
   <p:clrMapOvr>
     <a:masterClrMapping/>
@@ -1342,6 +1328,7 @@
               <a:rPr lang="en-US"/>
               <a:t>Click to edit Master title style</a:t>
             </a:r>
+            <a:endParaRPr lang="en-US"/>
           </a:p>
         </p:txBody>
       </p:sp>
@@ -1407,6 +1394,7 @@
               <a:rPr lang="en-US"/>
               <a:t>Edit Master text styles</a:t>
             </a:r>
+            <a:endParaRPr lang="en-US"/>
           </a:p>
         </p:txBody>
       </p:sp>
@@ -1435,6 +1423,7 @@
               <a:rPr lang="en-US"/>
               <a:t>Edit Master text styles</a:t>
             </a:r>
+            <a:endParaRPr lang="en-US"/>
           </a:p>
           <a:p>
             <a:pPr lvl="1"/>
@@ -1442,6 +1431,7 @@
               <a:rPr lang="en-US"/>
               <a:t>Second level</a:t>
             </a:r>
+            <a:endParaRPr lang="en-US"/>
           </a:p>
           <a:p>
             <a:pPr lvl="2"/>
@@ -1449,6 +1439,7 @@
               <a:rPr lang="en-US"/>
               <a:t>Third level</a:t>
             </a:r>
+            <a:endParaRPr lang="en-US"/>
           </a:p>
           <a:p>
             <a:pPr lvl="3"/>
@@ -1456,6 +1447,7 @@
               <a:rPr lang="en-US"/>
               <a:t>Fourth level</a:t>
             </a:r>
+            <a:endParaRPr lang="en-US"/>
           </a:p>
           <a:p>
             <a:pPr lvl="4"/>
@@ -1463,6 +1455,7 @@
               <a:rPr lang="en-US"/>
               <a:t>Fifth level</a:t>
             </a:r>
+            <a:endParaRPr lang="en-US"/>
           </a:p>
         </p:txBody>
       </p:sp>
@@ -1528,6 +1521,7 @@
               <a:rPr lang="en-US"/>
               <a:t>Edit Master text styles</a:t>
             </a:r>
+            <a:endParaRPr lang="en-US"/>
           </a:p>
         </p:txBody>
       </p:sp>
@@ -1556,6 +1550,7 @@
               <a:rPr lang="en-US"/>
               <a:t>Edit Master text styles</a:t>
             </a:r>
+            <a:endParaRPr lang="en-US"/>
           </a:p>
           <a:p>
             <a:pPr lvl="1"/>
@@ -1563,6 +1558,7 @@
               <a:rPr lang="en-US"/>
               <a:t>Second level</a:t>
             </a:r>
+            <a:endParaRPr lang="en-US"/>
           </a:p>
           <a:p>
             <a:pPr lvl="2"/>
@@ -1570,6 +1566,7 @@
               <a:rPr lang="en-US"/>
               <a:t>Third level</a:t>
             </a:r>
+            <a:endParaRPr lang="en-US"/>
           </a:p>
           <a:p>
             <a:pPr lvl="3"/>
@@ -1577,6 +1574,7 @@
               <a:rPr lang="en-US"/>
               <a:t>Fourth level</a:t>
             </a:r>
+            <a:endParaRPr lang="en-US"/>
           </a:p>
           <a:p>
             <a:pPr lvl="4"/>
@@ -1584,6 +1582,7 @@
               <a:rPr lang="en-US"/>
               <a:t>Fifth level</a:t>
             </a:r>
+            <a:endParaRPr lang="en-US"/>
           </a:p>
         </p:txBody>
       </p:sp>
@@ -1604,7 +1603,6 @@
           <a:p>
             <a:fld id="{059A2738-E188-4F9C-9F82-F2F1BEF15032}" type="datetimeFigureOut">
               <a:rPr lang="en-US" smtClean="0"/>
-              <a:t>11/21/2020</a:t>
             </a:fld>
             <a:endParaRPr lang="en-US"/>
           </a:p>
@@ -1646,18 +1644,12 @@
           <a:p>
             <a:fld id="{664804C1-4862-4058-8DD7-73CB3463550B}" type="slidenum">
               <a:rPr lang="en-US" smtClean="0"/>
-              <a:t>‹#›</a:t>
             </a:fld>
             <a:endParaRPr lang="en-US"/>
           </a:p>
         </p:txBody>
       </p:sp>
     </p:spTree>
-    <p:extLst>
-      <p:ext uri="{BB962C8B-B14F-4D97-AF65-F5344CB8AC3E}">
-        <p14:creationId xmlns:p14="http://schemas.microsoft.com/office/powerpoint/2010/main" val="2667201848"/>
-      </p:ext>
-    </p:extLst>
   </p:cSld>
   <p:clrMapOvr>
     <a:masterClrMapping/>
@@ -1701,6 +1693,7 @@
               <a:rPr lang="en-US"/>
               <a:t>Click to edit Master title style</a:t>
             </a:r>
+            <a:endParaRPr lang="en-US"/>
           </a:p>
         </p:txBody>
       </p:sp>
@@ -1721,7 +1714,6 @@
           <a:p>
             <a:fld id="{059A2738-E188-4F9C-9F82-F2F1BEF15032}" type="datetimeFigureOut">
               <a:rPr lang="en-US" smtClean="0"/>
-              <a:t>11/21/2020</a:t>
             </a:fld>
             <a:endParaRPr lang="en-US"/>
           </a:p>
@@ -1763,18 +1755,12 @@
           <a:p>
             <a:fld id="{664804C1-4862-4058-8DD7-73CB3463550B}" type="slidenum">
               <a:rPr lang="en-US" smtClean="0"/>
-              <a:t>‹#›</a:t>
             </a:fld>
             <a:endParaRPr lang="en-US"/>
           </a:p>
         </p:txBody>
       </p:sp>
     </p:spTree>
-    <p:extLst>
-      <p:ext uri="{BB962C8B-B14F-4D97-AF65-F5344CB8AC3E}">
-        <p14:creationId xmlns:p14="http://schemas.microsoft.com/office/powerpoint/2010/main" val="1080343498"/>
-      </p:ext>
-    </p:extLst>
   </p:cSld>
   <p:clrMapOvr>
     <a:masterClrMapping/>
@@ -1816,7 +1802,6 @@
           <a:p>
             <a:fld id="{059A2738-E188-4F9C-9F82-F2F1BEF15032}" type="datetimeFigureOut">
               <a:rPr lang="en-US" smtClean="0"/>
-              <a:t>11/21/2020</a:t>
             </a:fld>
             <a:endParaRPr lang="en-US"/>
           </a:p>
@@ -1858,18 +1843,12 @@
           <a:p>
             <a:fld id="{664804C1-4862-4058-8DD7-73CB3463550B}" type="slidenum">
               <a:rPr lang="en-US" smtClean="0"/>
-              <a:t>‹#›</a:t>
             </a:fld>
             <a:endParaRPr lang="en-US"/>
           </a:p>
         </p:txBody>
       </p:sp>
     </p:spTree>
-    <p:extLst>
-      <p:ext uri="{BB962C8B-B14F-4D97-AF65-F5344CB8AC3E}">
-        <p14:creationId xmlns:p14="http://schemas.microsoft.com/office/powerpoint/2010/main" val="358052316"/>
-      </p:ext>
-    </p:extLst>
   </p:cSld>
   <p:clrMapOvr>
     <a:masterClrMapping/>
@@ -1922,6 +1901,7 @@
               <a:rPr lang="en-US"/>
               <a:t>Click to edit Master title style</a:t>
             </a:r>
+            <a:endParaRPr lang="en-US"/>
           </a:p>
         </p:txBody>
       </p:sp>
@@ -1978,6 +1958,7 @@
               <a:rPr lang="en-US"/>
               <a:t>Edit Master text styles</a:t>
             </a:r>
+            <a:endParaRPr lang="en-US"/>
           </a:p>
           <a:p>
             <a:pPr lvl="1"/>
@@ -1985,6 +1966,7 @@
               <a:rPr lang="en-US"/>
               <a:t>Second level</a:t>
             </a:r>
+            <a:endParaRPr lang="en-US"/>
           </a:p>
           <a:p>
             <a:pPr lvl="2"/>
@@ -1992,6 +1974,7 @@
               <a:rPr lang="en-US"/>
               <a:t>Third level</a:t>
             </a:r>
+            <a:endParaRPr lang="en-US"/>
           </a:p>
           <a:p>
             <a:pPr lvl="3"/>
@@ -1999,6 +1982,7 @@
               <a:rPr lang="en-US"/>
               <a:t>Fourth level</a:t>
             </a:r>
+            <a:endParaRPr lang="en-US"/>
           </a:p>
           <a:p>
             <a:pPr lvl="4"/>
@@ -2006,6 +1990,7 @@
               <a:rPr lang="en-US"/>
               <a:t>Fifth level</a:t>
             </a:r>
+            <a:endParaRPr lang="en-US"/>
           </a:p>
         </p:txBody>
       </p:sp>
@@ -2071,6 +2056,7 @@
               <a:rPr lang="en-US"/>
               <a:t>Edit Master text styles</a:t>
             </a:r>
+            <a:endParaRPr lang="en-US"/>
           </a:p>
         </p:txBody>
       </p:sp>
@@ -2091,7 +2077,6 @@
           <a:p>
             <a:fld id="{059A2738-E188-4F9C-9F82-F2F1BEF15032}" type="datetimeFigureOut">
               <a:rPr lang="en-US" smtClean="0"/>
-              <a:t>11/21/2020</a:t>
             </a:fld>
             <a:endParaRPr lang="en-US"/>
           </a:p>
@@ -2133,18 +2118,12 @@
           <a:p>
             <a:fld id="{664804C1-4862-4058-8DD7-73CB3463550B}" type="slidenum">
               <a:rPr lang="en-US" smtClean="0"/>
-              <a:t>‹#›</a:t>
             </a:fld>
             <a:endParaRPr lang="en-US"/>
           </a:p>
         </p:txBody>
       </p:sp>
     </p:spTree>
-    <p:extLst>
-      <p:ext uri="{BB962C8B-B14F-4D97-AF65-F5344CB8AC3E}">
-        <p14:creationId xmlns:p14="http://schemas.microsoft.com/office/powerpoint/2010/main" val="2544737048"/>
-      </p:ext>
-    </p:extLst>
   </p:cSld>
   <p:clrMapOvr>
     <a:masterClrMapping/>
@@ -2197,6 +2176,7 @@
               <a:rPr lang="en-US"/>
               <a:t>Click to edit Master title style</a:t>
             </a:r>
+            <a:endParaRPr lang="en-US"/>
           </a:p>
         </p:txBody>
       </p:sp>
@@ -2323,6 +2303,7 @@
               <a:rPr lang="en-US"/>
               <a:t>Edit Master text styles</a:t>
             </a:r>
+            <a:endParaRPr lang="en-US"/>
           </a:p>
         </p:txBody>
       </p:sp>
@@ -2343,7 +2324,6 @@
           <a:p>
             <a:fld id="{059A2738-E188-4F9C-9F82-F2F1BEF15032}" type="datetimeFigureOut">
               <a:rPr lang="en-US" smtClean="0"/>
-              <a:t>11/21/2020</a:t>
             </a:fld>
             <a:endParaRPr lang="en-US"/>
           </a:p>
@@ -2385,18 +2365,12 @@
           <a:p>
             <a:fld id="{664804C1-4862-4058-8DD7-73CB3463550B}" type="slidenum">
               <a:rPr lang="en-US" smtClean="0"/>
-              <a:t>‹#›</a:t>
             </a:fld>
             <a:endParaRPr lang="en-US"/>
           </a:p>
         </p:txBody>
       </p:sp>
     </p:spTree>
-    <p:extLst>
-      <p:ext uri="{BB962C8B-B14F-4D97-AF65-F5344CB8AC3E}">
-        <p14:creationId xmlns:p14="http://schemas.microsoft.com/office/powerpoint/2010/main" val="3794054137"/>
-      </p:ext>
-    </p:extLst>
   </p:cSld>
   <p:clrMapOvr>
     <a:masterClrMapping/>
@@ -2455,6 +2429,7 @@
               <a:rPr lang="en-US"/>
               <a:t>Click to edit Master title style</a:t>
             </a:r>
+            <a:endParaRPr lang="en-US"/>
           </a:p>
         </p:txBody>
       </p:sp>
@@ -2488,6 +2463,7 @@
               <a:rPr lang="en-US"/>
               <a:t>Edit Master text styles</a:t>
             </a:r>
+            <a:endParaRPr lang="en-US"/>
           </a:p>
           <a:p>
             <a:pPr lvl="1"/>
@@ -2495,6 +2471,7 @@
               <a:rPr lang="en-US"/>
               <a:t>Second level</a:t>
             </a:r>
+            <a:endParaRPr lang="en-US"/>
           </a:p>
           <a:p>
             <a:pPr lvl="2"/>
@@ -2502,6 +2479,7 @@
               <a:rPr lang="en-US"/>
               <a:t>Third level</a:t>
             </a:r>
+            <a:endParaRPr lang="en-US"/>
           </a:p>
           <a:p>
             <a:pPr lvl="3"/>
@@ -2509,6 +2487,7 @@
               <a:rPr lang="en-US"/>
               <a:t>Fourth level</a:t>
             </a:r>
+            <a:endParaRPr lang="en-US"/>
           </a:p>
           <a:p>
             <a:pPr lvl="4"/>
@@ -2516,6 +2495,7 @@
               <a:rPr lang="en-US"/>
               <a:t>Fifth level</a:t>
             </a:r>
+            <a:endParaRPr lang="en-US"/>
           </a:p>
         </p:txBody>
       </p:sp>
@@ -2554,7 +2534,6 @@
           <a:p>
             <a:fld id="{059A2738-E188-4F9C-9F82-F2F1BEF15032}" type="datetimeFigureOut">
               <a:rPr lang="en-US" smtClean="0"/>
-              <a:t>11/21/2020</a:t>
             </a:fld>
             <a:endParaRPr lang="en-US"/>
           </a:p>
@@ -2632,18 +2611,12 @@
           <a:p>
             <a:fld id="{664804C1-4862-4058-8DD7-73CB3463550B}" type="slidenum">
               <a:rPr lang="en-US" smtClean="0"/>
-              <a:t>‹#›</a:t>
             </a:fld>
             <a:endParaRPr lang="en-US"/>
           </a:p>
         </p:txBody>
       </p:sp>
     </p:spTree>
-    <p:extLst>
-      <p:ext uri="{BB962C8B-B14F-4D97-AF65-F5344CB8AC3E}">
-        <p14:creationId xmlns:p14="http://schemas.microsoft.com/office/powerpoint/2010/main" val="205567077"/>
-      </p:ext>
-    </p:extLst>
   </p:cSld>
   <p:clrMap bg1="lt1" tx1="dk1" bg2="lt2" tx2="dk2" accent1="accent1" accent2="accent2" accent3="accent3" accent4="accent4" accent5="accent5" accent6="accent6" hlink="hlink" folHlink="folHlink"/>
   <p:sldLayoutIdLst>
@@ -2687,7 +2660,7 @@
         <a:spcBef>
           <a:spcPts val="1000"/>
         </a:spcBef>
-        <a:buFont typeface="Arial" panose="020B0604020202020204" pitchFamily="34" charset="0"/>
+        <a:buFont typeface="Arial" panose="020B0604020202090204" pitchFamily="34" charset="0"/>
         <a:buChar char="•"/>
         <a:defRPr sz="2800" kern="1200">
           <a:solidFill>
@@ -2705,7 +2678,7 @@
         <a:spcBef>
           <a:spcPts val="500"/>
         </a:spcBef>
-        <a:buFont typeface="Arial" panose="020B0604020202020204" pitchFamily="34" charset="0"/>
+        <a:buFont typeface="Arial" panose="020B0604020202090204" pitchFamily="34" charset="0"/>
         <a:buChar char="•"/>
         <a:defRPr sz="2400" kern="1200">
           <a:solidFill>
@@ -2723,7 +2696,7 @@
         <a:spcBef>
           <a:spcPts val="500"/>
         </a:spcBef>
-        <a:buFont typeface="Arial" panose="020B0604020202020204" pitchFamily="34" charset="0"/>
+        <a:buFont typeface="Arial" panose="020B0604020202090204" pitchFamily="34" charset="0"/>
         <a:buChar char="•"/>
         <a:defRPr sz="2000" kern="1200">
           <a:solidFill>
@@ -2741,7 +2714,7 @@
         <a:spcBef>
           <a:spcPts val="500"/>
         </a:spcBef>
-        <a:buFont typeface="Arial" panose="020B0604020202020204" pitchFamily="34" charset="0"/>
+        <a:buFont typeface="Arial" panose="020B0604020202090204" pitchFamily="34" charset="0"/>
         <a:buChar char="•"/>
         <a:defRPr sz="1800" kern="1200">
           <a:solidFill>
@@ -2759,7 +2732,7 @@
         <a:spcBef>
           <a:spcPts val="500"/>
         </a:spcBef>
-        <a:buFont typeface="Arial" panose="020B0604020202020204" pitchFamily="34" charset="0"/>
+        <a:buFont typeface="Arial" panose="020B0604020202090204" pitchFamily="34" charset="0"/>
         <a:buChar char="•"/>
         <a:defRPr sz="1800" kern="1200">
           <a:solidFill>
@@ -2777,7 +2750,7 @@
         <a:spcBef>
           <a:spcPts val="500"/>
         </a:spcBef>
-        <a:buFont typeface="Arial" panose="020B0604020202020204" pitchFamily="34" charset="0"/>
+        <a:buFont typeface="Arial" panose="020B0604020202090204" pitchFamily="34" charset="0"/>
         <a:buChar char="•"/>
         <a:defRPr sz="1800" kern="1200">
           <a:solidFill>
@@ -2795,7 +2768,7 @@
         <a:spcBef>
           <a:spcPts val="500"/>
         </a:spcBef>
-        <a:buFont typeface="Arial" panose="020B0604020202020204" pitchFamily="34" charset="0"/>
+        <a:buFont typeface="Arial" panose="020B0604020202090204" pitchFamily="34" charset="0"/>
         <a:buChar char="•"/>
         <a:defRPr sz="1800" kern="1200">
           <a:solidFill>
@@ -2813,7 +2786,7 @@
         <a:spcBef>
           <a:spcPts val="500"/>
         </a:spcBef>
-        <a:buFont typeface="Arial" panose="020B0604020202020204" pitchFamily="34" charset="0"/>
+        <a:buFont typeface="Arial" panose="020B0604020202090204" pitchFamily="34" charset="0"/>
         <a:buChar char="•"/>
         <a:defRPr sz="1800" kern="1200">
           <a:solidFill>
@@ -2831,7 +2804,7 @@
         <a:spcBef>
           <a:spcPts val="500"/>
         </a:spcBef>
-        <a:buFont typeface="Arial" panose="020B0604020202020204" pitchFamily="34" charset="0"/>
+        <a:buFont typeface="Arial" panose="020B0604020202090204" pitchFamily="34" charset="0"/>
         <a:buChar char="•"/>
         <a:defRPr sz="1800" kern="1200">
           <a:solidFill>
@@ -2978,6 +2951,7 @@
               <a:rPr lang="en-US" dirty="0"/>
               <a:t>ECLT 5830</a:t>
             </a:r>
+            <a:endParaRPr lang="en-US" dirty="0"/>
           </a:p>
         </p:txBody>
       </p:sp>
@@ -3000,21 +2974,18 @@
               <a:rPr lang="en-US" dirty="0"/>
               <a:t>Assignment #4 Specification</a:t>
             </a:r>
+            <a:endParaRPr lang="en-US" dirty="0"/>
           </a:p>
           <a:p>
             <a:r>
               <a:rPr lang="en-US" dirty="0"/>
               <a:t>(Due: 14 Dec 2020, Monday) </a:t>
             </a:r>
+            <a:endParaRPr lang="en-US" dirty="0"/>
           </a:p>
         </p:txBody>
       </p:sp>
     </p:spTree>
-    <p:extLst>
-      <p:ext uri="{BB962C8B-B14F-4D97-AF65-F5344CB8AC3E}">
-        <p14:creationId xmlns:p14="http://schemas.microsoft.com/office/powerpoint/2010/main" val="2785485118"/>
-      </p:ext>
-    </p:extLst>
   </p:cSld>
   <p:clrMapOvr>
     <a:masterClrMapping/>
@@ -3041,13 +3012,7 @@
       </p:grpSpPr>
       <p:sp>
         <p:nvSpPr>
-          <p:cNvPr id="2" name="Title 1">
-            <a:extLst>
-              <a:ext uri="{FF2B5EF4-FFF2-40B4-BE49-F238E27FC236}">
-                <a16:creationId xmlns:a16="http://schemas.microsoft.com/office/drawing/2014/main" id="{1786A1A0-F824-4C7F-9937-83943ADE847E}"/>
-              </a:ext>
-            </a:extLst>
-          </p:cNvPr>
+          <p:cNvPr id="2" name="Title 1"/>
           <p:cNvSpPr>
             <a:spLocks noGrp="1"/>
           </p:cNvSpPr>
@@ -3069,23 +3034,21 @@
           <a:p>
             <a:r>
               <a:rPr lang="en-US" sz="3200" dirty="0">
-                <a:latin typeface="Arial" panose="020B0604020202020204" pitchFamily="34" charset="0"/>
-                <a:cs typeface="Arial" panose="020B0604020202020204" pitchFamily="34" charset="0"/>
+                <a:latin typeface="Arial" panose="020B0604020202090204" pitchFamily="34" charset="0"/>
+                <a:cs typeface="Arial" panose="020B0604020202090204" pitchFamily="34" charset="0"/>
               </a:rPr>
               <a:t>Task 4: List all items redeemed by the current user (30%) </a:t>
             </a:r>
-          </a:p>
-        </p:txBody>
-      </p:sp>
-      <p:sp>
-        <p:nvSpPr>
-          <p:cNvPr id="3" name="Content Placeholder 2">
-            <a:extLst>
-              <a:ext uri="{FF2B5EF4-FFF2-40B4-BE49-F238E27FC236}">
-                <a16:creationId xmlns:a16="http://schemas.microsoft.com/office/drawing/2014/main" id="{BCB6DAB0-A6DC-4DD2-83F1-4EDDAB8104E9}"/>
-              </a:ext>
-            </a:extLst>
-          </p:cNvPr>
+            <a:endParaRPr lang="en-US" sz="3200" dirty="0">
+              <a:latin typeface="Arial" panose="020B0604020202090204" pitchFamily="34" charset="0"/>
+              <a:cs typeface="Arial" panose="020B0604020202090204" pitchFamily="34" charset="0"/>
+            </a:endParaRPr>
+          </a:p>
+        </p:txBody>
+      </p:sp>
+      <p:sp>
+        <p:nvSpPr>
+          <p:cNvPr id="3" name="Content Placeholder 2"/>
           <p:cNvSpPr>
             <a:spLocks noGrp="1"/>
           </p:cNvSpPr>
@@ -3110,32 +3073,36 @@
             </a:pPr>
             <a:r>
               <a:rPr lang="en-US" sz="2000" b="1" dirty="0">
-                <a:latin typeface="Arial" panose="020B0604020202020204" pitchFamily="34" charset="0"/>
-                <a:cs typeface="Arial" panose="020B0604020202020204" pitchFamily="34" charset="0"/>
+                <a:latin typeface="Arial" panose="020B0604020202090204" pitchFamily="34" charset="0"/>
+                <a:cs typeface="Arial" panose="020B0604020202090204" pitchFamily="34" charset="0"/>
               </a:rPr>
               <a:t>Requirements</a:t>
             </a:r>
             <a:r>
               <a:rPr lang="en-US" sz="2000" dirty="0">
-                <a:latin typeface="Arial" panose="020B0604020202020204" pitchFamily="34" charset="0"/>
-                <a:cs typeface="Arial" panose="020B0604020202020204" pitchFamily="34" charset="0"/>
+                <a:latin typeface="Arial" panose="020B0604020202090204" pitchFamily="34" charset="0"/>
+                <a:cs typeface="Arial" panose="020B0604020202090204" pitchFamily="34" charset="0"/>
               </a:rPr>
               <a:t>: Modify the callback function of </a:t>
             </a:r>
             <a:r>
               <a:rPr lang="en-US" sz="2000" dirty="0" err="1">
-                <a:latin typeface="Arial" panose="020B0604020202020204" pitchFamily="34" charset="0"/>
-                <a:cs typeface="Arial" panose="020B0604020202020204" pitchFamily="34" charset="0"/>
+                <a:latin typeface="Arial" panose="020B0604020202090204" pitchFamily="34" charset="0"/>
+                <a:cs typeface="Arial" panose="020B0604020202090204" pitchFamily="34" charset="0"/>
               </a:rPr>
               <a:t>app.get</a:t>
             </a:r>
             <a:r>
               <a:rPr lang="en-US" sz="2000" dirty="0">
-                <a:latin typeface="Arial" panose="020B0604020202020204" pitchFamily="34" charset="0"/>
-                <a:cs typeface="Arial" panose="020B0604020202020204" pitchFamily="34" charset="0"/>
+                <a:latin typeface="Arial" panose="020B0604020202090204" pitchFamily="34" charset="0"/>
+                <a:cs typeface="Arial" panose="020B0604020202090204" pitchFamily="34" charset="0"/>
               </a:rPr>
               <a:t>('/list', …) to perform the following tasks:</a:t>
             </a:r>
+            <a:endParaRPr lang="en-US" sz="2000" dirty="0">
+              <a:latin typeface="Arial" panose="020B0604020202090204" pitchFamily="34" charset="0"/>
+              <a:cs typeface="Arial" panose="020B0604020202090204" pitchFamily="34" charset="0"/>
+            </a:endParaRPr>
           </a:p>
           <a:p>
             <a:pPr marL="457200" indent="-457200">
@@ -3144,11 +3111,15 @@
             </a:pPr>
             <a:r>
               <a:rPr lang="en-US" sz="2200" dirty="0">
-                <a:latin typeface="Arial" panose="020B0604020202020204" pitchFamily="34" charset="0"/>
-                <a:cs typeface="Arial" panose="020B0604020202020204" pitchFamily="34" charset="0"/>
+                <a:latin typeface="Arial" panose="020B0604020202090204" pitchFamily="34" charset="0"/>
+                <a:cs typeface="Arial" panose="020B0604020202090204" pitchFamily="34" charset="0"/>
               </a:rPr>
               <a:t>If the user is not currently logged in, redirect the client to "/login.html"</a:t>
             </a:r>
+            <a:endParaRPr lang="en-US" sz="2200" dirty="0">
+              <a:latin typeface="Arial" panose="020B0604020202090204" pitchFamily="34" charset="0"/>
+              <a:cs typeface="Arial" panose="020B0604020202090204" pitchFamily="34" charset="0"/>
+            </a:endParaRPr>
           </a:p>
           <a:p>
             <a:pPr marL="457200" indent="-457200">
@@ -3156,8 +3127,8 @@
               <a:buAutoNum type="arabicPeriod"/>
             </a:pPr>
             <a:endParaRPr lang="en-US" sz="2200" dirty="0">
-              <a:latin typeface="Arial" panose="020B0604020202020204" pitchFamily="34" charset="0"/>
-              <a:cs typeface="Arial" panose="020B0604020202020204" pitchFamily="34" charset="0"/>
+              <a:latin typeface="Arial" panose="020B0604020202090204" pitchFamily="34" charset="0"/>
+              <a:cs typeface="Arial" panose="020B0604020202090204" pitchFamily="34" charset="0"/>
             </a:endParaRPr>
           </a:p>
           <a:p>
@@ -3167,25 +3138,29 @@
             </a:pPr>
             <a:r>
               <a:rPr lang="en-US" sz="2200" dirty="0">
-                <a:latin typeface="Arial" panose="020B0604020202020204" pitchFamily="34" charset="0"/>
-                <a:cs typeface="Arial" panose="020B0604020202020204" pitchFamily="34" charset="0"/>
+                <a:latin typeface="Arial" panose="020B0604020202090204" pitchFamily="34" charset="0"/>
+                <a:cs typeface="Arial" panose="020B0604020202090204" pitchFamily="34" charset="0"/>
               </a:rPr>
               <a:t>Retrieve the </a:t>
             </a:r>
             <a:r>
               <a:rPr lang="en-US" sz="2200" dirty="0" err="1">
-                <a:latin typeface="Arial" panose="020B0604020202020204" pitchFamily="34" charset="0"/>
-                <a:cs typeface="Arial" panose="020B0604020202020204" pitchFamily="34" charset="0"/>
+                <a:latin typeface="Arial" panose="020B0604020202090204" pitchFamily="34" charset="0"/>
+                <a:cs typeface="Arial" panose="020B0604020202090204" pitchFamily="34" charset="0"/>
               </a:rPr>
               <a:t>user_id</a:t>
             </a:r>
             <a:r>
               <a:rPr lang="en-US" sz="2200" dirty="0">
-                <a:latin typeface="Arial" panose="020B0604020202020204" pitchFamily="34" charset="0"/>
-                <a:cs typeface="Arial" panose="020B0604020202020204" pitchFamily="34" charset="0"/>
+                <a:latin typeface="Arial" panose="020B0604020202090204" pitchFamily="34" charset="0"/>
+                <a:cs typeface="Arial" panose="020B0604020202090204" pitchFamily="34" charset="0"/>
               </a:rPr>
               <a:t> from the session (if the user is currently logged in)</a:t>
             </a:r>
+            <a:endParaRPr lang="en-US" sz="2200" dirty="0">
+              <a:latin typeface="Arial" panose="020B0604020202090204" pitchFamily="34" charset="0"/>
+              <a:cs typeface="Arial" panose="020B0604020202090204" pitchFamily="34" charset="0"/>
+            </a:endParaRPr>
           </a:p>
           <a:p>
             <a:pPr marL="457200" indent="-457200">
@@ -3193,8 +3168,8 @@
               <a:buAutoNum type="arabicPeriod"/>
             </a:pPr>
             <a:endParaRPr lang="en-US" sz="2200" dirty="0">
-              <a:latin typeface="Arial" panose="020B0604020202020204" pitchFamily="34" charset="0"/>
-              <a:cs typeface="Arial" panose="020B0604020202020204" pitchFamily="34" charset="0"/>
+              <a:latin typeface="Arial" panose="020B0604020202090204" pitchFamily="34" charset="0"/>
+              <a:cs typeface="Arial" panose="020B0604020202090204" pitchFamily="34" charset="0"/>
             </a:endParaRPr>
           </a:p>
           <a:p>
@@ -3204,41 +3179,49 @@
             </a:pPr>
             <a:r>
               <a:rPr lang="en-US" sz="2200" dirty="0">
-                <a:latin typeface="Arial" panose="020B0604020202020204" pitchFamily="34" charset="0"/>
-                <a:cs typeface="Arial" panose="020B0604020202020204" pitchFamily="34" charset="0"/>
+                <a:latin typeface="Arial" panose="020B0604020202090204" pitchFamily="34" charset="0"/>
+                <a:cs typeface="Arial" panose="020B0604020202090204" pitchFamily="34" charset="0"/>
               </a:rPr>
               <a:t>Retrieve all items redeemed by the current user from the database.</a:t>
             </a:r>
+            <a:endParaRPr lang="en-US" sz="2200" dirty="0">
+              <a:latin typeface="Arial" panose="020B0604020202090204" pitchFamily="34" charset="0"/>
+              <a:cs typeface="Arial" panose="020B0604020202090204" pitchFamily="34" charset="0"/>
+            </a:endParaRPr>
           </a:p>
           <a:p>
             <a:pPr lvl="1"/>
             <a:r>
               <a:rPr lang="en-US" sz="1900" dirty="0">
-                <a:latin typeface="Arial" panose="020B0604020202020204" pitchFamily="34" charset="0"/>
-                <a:cs typeface="Arial" panose="020B0604020202020204" pitchFamily="34" charset="0"/>
+                <a:latin typeface="Arial" panose="020B0604020202090204" pitchFamily="34" charset="0"/>
+                <a:cs typeface="Arial" panose="020B0604020202090204" pitchFamily="34" charset="0"/>
               </a:rPr>
               <a:t>For each redeemed item, you should include the </a:t>
             </a:r>
             <a:r>
               <a:rPr lang="en-US" sz="1900" dirty="0" err="1">
-                <a:latin typeface="Arial" panose="020B0604020202020204" pitchFamily="34" charset="0"/>
-                <a:cs typeface="Arial" panose="020B0604020202020204" pitchFamily="34" charset="0"/>
+                <a:latin typeface="Arial" panose="020B0604020202090204" pitchFamily="34" charset="0"/>
+                <a:cs typeface="Arial" panose="020B0604020202090204" pitchFamily="34" charset="0"/>
               </a:rPr>
               <a:t>item_id</a:t>
             </a:r>
             <a:r>
               <a:rPr lang="en-US" sz="1900" dirty="0">
-                <a:latin typeface="Arial" panose="020B0604020202020204" pitchFamily="34" charset="0"/>
-                <a:cs typeface="Arial" panose="020B0604020202020204" pitchFamily="34" charset="0"/>
+                <a:latin typeface="Arial" panose="020B0604020202090204" pitchFamily="34" charset="0"/>
+                <a:cs typeface="Arial" panose="020B0604020202090204" pitchFamily="34" charset="0"/>
               </a:rPr>
               <a:t>, title, and price of the item.</a:t>
             </a:r>
+            <a:endParaRPr lang="en-US" sz="1900" dirty="0">
+              <a:latin typeface="Arial" panose="020B0604020202090204" pitchFamily="34" charset="0"/>
+              <a:cs typeface="Arial" panose="020B0604020202090204" pitchFamily="34" charset="0"/>
+            </a:endParaRPr>
           </a:p>
           <a:p>
             <a:pPr lvl="1"/>
             <a:endParaRPr lang="en-US" sz="2200" dirty="0">
-              <a:latin typeface="Arial" panose="020B0604020202020204" pitchFamily="34" charset="0"/>
-              <a:cs typeface="Arial" panose="020B0604020202020204" pitchFamily="34" charset="0"/>
+              <a:latin typeface="Arial" panose="020B0604020202090204" pitchFamily="34" charset="0"/>
+              <a:cs typeface="Arial" panose="020B0604020202090204" pitchFamily="34" charset="0"/>
             </a:endParaRPr>
           </a:p>
           <a:p>
@@ -3248,19 +3231,23 @@
             </a:pPr>
             <a:r>
               <a:rPr lang="en-US" sz="2200" dirty="0">
-                <a:latin typeface="Arial" panose="020B0604020202020204" pitchFamily="34" charset="0"/>
-                <a:cs typeface="Arial" panose="020B0604020202020204" pitchFamily="34" charset="0"/>
+                <a:latin typeface="Arial" panose="020B0604020202090204" pitchFamily="34" charset="0"/>
+                <a:cs typeface="Arial" panose="020B0604020202090204" pitchFamily="34" charset="0"/>
               </a:rPr>
               <a:t>Return the redeemed items in the response's body as "an array of item objects in JSON representation".</a:t>
             </a:r>
+            <a:endParaRPr lang="en-US" sz="2200" dirty="0">
+              <a:latin typeface="Arial" panose="020B0604020202090204" pitchFamily="34" charset="0"/>
+              <a:cs typeface="Arial" panose="020B0604020202090204" pitchFamily="34" charset="0"/>
+            </a:endParaRPr>
           </a:p>
           <a:p>
             <a:pPr marL="0" indent="0">
               <a:buNone/>
             </a:pPr>
             <a:endParaRPr lang="en-US" sz="2200" dirty="0">
-              <a:latin typeface="Arial" panose="020B0604020202020204" pitchFamily="34" charset="0"/>
-              <a:cs typeface="Arial" panose="020B0604020202020204" pitchFamily="34" charset="0"/>
+              <a:latin typeface="Arial" panose="020B0604020202090204" pitchFamily="34" charset="0"/>
+              <a:cs typeface="Arial" panose="020B0604020202090204" pitchFamily="34" charset="0"/>
             </a:endParaRPr>
           </a:p>
           <a:p>
@@ -3269,47 +3256,54 @@
             </a:pPr>
             <a:r>
               <a:rPr lang="en-US" sz="2200" b="1" dirty="0">
-                <a:latin typeface="Arial" panose="020B0604020202020204" pitchFamily="34" charset="0"/>
-                <a:cs typeface="Arial" panose="020B0604020202020204" pitchFamily="34" charset="0"/>
+                <a:latin typeface="Arial" panose="020B0604020202090204" pitchFamily="34" charset="0"/>
+                <a:cs typeface="Arial" panose="020B0604020202090204" pitchFamily="34" charset="0"/>
               </a:rPr>
               <a:t>Notes</a:t>
             </a:r>
+            <a:endParaRPr lang="en-US" sz="2200" b="1" dirty="0">
+              <a:latin typeface="Arial" panose="020B0604020202090204" pitchFamily="34" charset="0"/>
+              <a:cs typeface="Arial" panose="020B0604020202090204" pitchFamily="34" charset="0"/>
+            </a:endParaRPr>
           </a:p>
           <a:p>
             <a:r>
               <a:rPr lang="en-US" sz="2200" dirty="0">
-                <a:latin typeface="Arial" panose="020B0604020202020204" pitchFamily="34" charset="0"/>
-                <a:cs typeface="Arial" panose="020B0604020202020204" pitchFamily="34" charset="0"/>
+                <a:latin typeface="Arial" panose="020B0604020202090204" pitchFamily="34" charset="0"/>
+                <a:cs typeface="Arial" panose="020B0604020202090204" pitchFamily="34" charset="0"/>
               </a:rPr>
               <a:t>You need to figure out the SQL statement(s) to perform this task, and then query the database to retrieve the necessary data from the database. </a:t>
             </a:r>
+            <a:endParaRPr lang="en-US" sz="2200" dirty="0">
+              <a:latin typeface="Arial" panose="020B0604020202090204" pitchFamily="34" charset="0"/>
+              <a:cs typeface="Arial" panose="020B0604020202090204" pitchFamily="34" charset="0"/>
+            </a:endParaRPr>
           </a:p>
           <a:p>
             <a:pPr marL="0" indent="0">
               <a:buNone/>
             </a:pPr>
             <a:endParaRPr lang="en-US" sz="2200" dirty="0">
-              <a:latin typeface="Arial" panose="020B0604020202020204" pitchFamily="34" charset="0"/>
-              <a:cs typeface="Arial" panose="020B0604020202020204" pitchFamily="34" charset="0"/>
+              <a:latin typeface="Arial" panose="020B0604020202090204" pitchFamily="34" charset="0"/>
+              <a:cs typeface="Arial" panose="020B0604020202090204" pitchFamily="34" charset="0"/>
             </a:endParaRPr>
           </a:p>
           <a:p>
             <a:r>
               <a:rPr lang="en-US" sz="2200" dirty="0">
-                <a:latin typeface="Arial" panose="020B0604020202020204" pitchFamily="34" charset="0"/>
-                <a:cs typeface="Arial" panose="020B0604020202020204" pitchFamily="34" charset="0"/>
+                <a:latin typeface="Arial" panose="020B0604020202090204" pitchFamily="34" charset="0"/>
+                <a:cs typeface="Arial" panose="020B0604020202090204" pitchFamily="34" charset="0"/>
               </a:rPr>
               <a:t>You can access the URL /list to test your code in task 4.</a:t>
             </a:r>
+            <a:endParaRPr lang="en-US" sz="2200" dirty="0">
+              <a:latin typeface="Arial" panose="020B0604020202090204" pitchFamily="34" charset="0"/>
+              <a:cs typeface="Arial" panose="020B0604020202090204" pitchFamily="34" charset="0"/>
+            </a:endParaRPr>
           </a:p>
         </p:txBody>
       </p:sp>
     </p:spTree>
-    <p:extLst>
-      <p:ext uri="{BB962C8B-B14F-4D97-AF65-F5344CB8AC3E}">
-        <p14:creationId xmlns:p14="http://schemas.microsoft.com/office/powerpoint/2010/main" val="1647864130"/>
-      </p:ext>
-    </p:extLst>
   </p:cSld>
   <p:clrMapOvr>
     <a:masterClrMapping/>
@@ -3336,13 +3330,7 @@
       </p:grpSpPr>
       <p:sp>
         <p:nvSpPr>
-          <p:cNvPr id="2" name="Title 1">
-            <a:extLst>
-              <a:ext uri="{FF2B5EF4-FFF2-40B4-BE49-F238E27FC236}">
-                <a16:creationId xmlns:a16="http://schemas.microsoft.com/office/drawing/2014/main" id="{1786A1A0-F824-4C7F-9937-83943ADE847E}"/>
-              </a:ext>
-            </a:extLst>
-          </p:cNvPr>
+          <p:cNvPr id="2" name="Title 1"/>
           <p:cNvSpPr>
             <a:spLocks noGrp="1"/>
           </p:cNvSpPr>
@@ -3364,23 +3352,21 @@
           <a:p>
             <a:r>
               <a:rPr lang="en-US" sz="3600" dirty="0">
-                <a:latin typeface="Arial" panose="020B0604020202020204" pitchFamily="34" charset="0"/>
-                <a:cs typeface="Arial" panose="020B0604020202020204" pitchFamily="34" charset="0"/>
+                <a:latin typeface="Arial" panose="020B0604020202090204" pitchFamily="34" charset="0"/>
+                <a:cs typeface="Arial" panose="020B0604020202090204" pitchFamily="34" charset="0"/>
               </a:rPr>
               <a:t>Notes</a:t>
             </a:r>
-          </a:p>
-        </p:txBody>
-      </p:sp>
-      <p:sp>
-        <p:nvSpPr>
-          <p:cNvPr id="3" name="Content Placeholder 2">
-            <a:extLst>
-              <a:ext uri="{FF2B5EF4-FFF2-40B4-BE49-F238E27FC236}">
-                <a16:creationId xmlns:a16="http://schemas.microsoft.com/office/drawing/2014/main" id="{BCB6DAB0-A6DC-4DD2-83F1-4EDDAB8104E9}"/>
-              </a:ext>
-            </a:extLst>
-          </p:cNvPr>
+            <a:endParaRPr lang="en-US" sz="3600" dirty="0">
+              <a:latin typeface="Arial" panose="020B0604020202090204" pitchFamily="34" charset="0"/>
+              <a:cs typeface="Arial" panose="020B0604020202090204" pitchFamily="34" charset="0"/>
+            </a:endParaRPr>
+          </a:p>
+        </p:txBody>
+      </p:sp>
+      <p:sp>
+        <p:nvSpPr>
+          <p:cNvPr id="3" name="Content Placeholder 2"/>
           <p:cNvSpPr>
             <a:spLocks noGrp="1"/>
           </p:cNvSpPr>
@@ -3402,65 +3388,76 @@
           <a:p>
             <a:r>
               <a:rPr lang="en-US" sz="2000" dirty="0">
-                <a:latin typeface="Arial" panose="020B0604020202020204" pitchFamily="34" charset="0"/>
-                <a:cs typeface="Arial" panose="020B0604020202020204" pitchFamily="34" charset="0"/>
+                <a:latin typeface="Arial" panose="020B0604020202090204" pitchFamily="34" charset="0"/>
+                <a:cs typeface="Arial" panose="020B0604020202090204" pitchFamily="34" charset="0"/>
               </a:rPr>
               <a:t>You should not need to modify any of the HTML files in folder "public". They are prepared to help you test your implementation.</a:t>
             </a:r>
-          </a:p>
-          <a:p>
             <a:endParaRPr lang="en-US" sz="2000" dirty="0">
-              <a:latin typeface="Arial" panose="020B0604020202020204" pitchFamily="34" charset="0"/>
-              <a:cs typeface="Arial" panose="020B0604020202020204" pitchFamily="34" charset="0"/>
+              <a:latin typeface="Arial" panose="020B0604020202090204" pitchFamily="34" charset="0"/>
+              <a:cs typeface="Arial" panose="020B0604020202090204" pitchFamily="34" charset="0"/>
+            </a:endParaRPr>
+          </a:p>
+          <a:p>
+            <a:endParaRPr lang="en-US" sz="2000" dirty="0">
+              <a:latin typeface="Arial" panose="020B0604020202090204" pitchFamily="34" charset="0"/>
+              <a:cs typeface="Arial" panose="020B0604020202090204" pitchFamily="34" charset="0"/>
             </a:endParaRPr>
           </a:p>
           <a:p>
             <a:r>
               <a:rPr lang="en-US" sz="2000" dirty="0">
-                <a:latin typeface="Arial" panose="020B0604020202020204" pitchFamily="34" charset="0"/>
-                <a:cs typeface="Arial" panose="020B0604020202020204" pitchFamily="34" charset="0"/>
+                <a:latin typeface="Arial" panose="020B0604020202090204" pitchFamily="34" charset="0"/>
+                <a:cs typeface="Arial" panose="020B0604020202090204" pitchFamily="34" charset="0"/>
               </a:rPr>
               <a:t>For Tasks 1 and 3, the format of the content in the response's body is not important.</a:t>
             </a:r>
-          </a:p>
-          <a:p>
             <a:endParaRPr lang="en-US" sz="2000" dirty="0">
-              <a:latin typeface="Arial" panose="020B0604020202020204" pitchFamily="34" charset="0"/>
-              <a:cs typeface="Arial" panose="020B0604020202020204" pitchFamily="34" charset="0"/>
+              <a:latin typeface="Arial" panose="020B0604020202090204" pitchFamily="34" charset="0"/>
+              <a:cs typeface="Arial" panose="020B0604020202090204" pitchFamily="34" charset="0"/>
+            </a:endParaRPr>
+          </a:p>
+          <a:p>
+            <a:endParaRPr lang="en-US" sz="2000" dirty="0">
+              <a:latin typeface="Arial" panose="020B0604020202090204" pitchFamily="34" charset="0"/>
+              <a:cs typeface="Arial" panose="020B0604020202090204" pitchFamily="34" charset="0"/>
             </a:endParaRPr>
           </a:p>
           <a:p>
             <a:r>
               <a:rPr lang="en-US" sz="2000" dirty="0">
-                <a:latin typeface="Arial" panose="020B0604020202020204" pitchFamily="34" charset="0"/>
-                <a:cs typeface="Arial" panose="020B0604020202020204" pitchFamily="34" charset="0"/>
+                <a:latin typeface="Arial" panose="020B0604020202090204" pitchFamily="34" charset="0"/>
+                <a:cs typeface="Arial" panose="020B0604020202090204" pitchFamily="34" charset="0"/>
               </a:rPr>
               <a:t>To assess your solution in all tasks, we will inspect your code and the content in the database. </a:t>
             </a:r>
-          </a:p>
-          <a:p>
             <a:endParaRPr lang="en-US" sz="2000" dirty="0">
-              <a:latin typeface="Arial" panose="020B0604020202020204" pitchFamily="34" charset="0"/>
-              <a:cs typeface="Arial" panose="020B0604020202020204" pitchFamily="34" charset="0"/>
+              <a:latin typeface="Arial" panose="020B0604020202090204" pitchFamily="34" charset="0"/>
+              <a:cs typeface="Arial" panose="020B0604020202090204" pitchFamily="34" charset="0"/>
+            </a:endParaRPr>
+          </a:p>
+          <a:p>
+            <a:endParaRPr lang="en-US" sz="2000" dirty="0">
+              <a:latin typeface="Arial" panose="020B0604020202090204" pitchFamily="34" charset="0"/>
+              <a:cs typeface="Arial" panose="020B0604020202090204" pitchFamily="34" charset="0"/>
             </a:endParaRPr>
           </a:p>
           <a:p>
             <a:r>
               <a:rPr lang="en-US" sz="2000" dirty="0">
-                <a:latin typeface="Arial" panose="020B0604020202020204" pitchFamily="34" charset="0"/>
-                <a:cs typeface="Arial" panose="020B0604020202020204" pitchFamily="34" charset="0"/>
+                <a:latin typeface="Arial" panose="020B0604020202090204" pitchFamily="34" charset="0"/>
+                <a:cs typeface="Arial" panose="020B0604020202090204" pitchFamily="34" charset="0"/>
               </a:rPr>
               <a:t>Feel free to add additional files as you see fit.</a:t>
             </a:r>
+            <a:endParaRPr lang="en-US" sz="2000" dirty="0">
+              <a:latin typeface="Arial" panose="020B0604020202090204" pitchFamily="34" charset="0"/>
+              <a:cs typeface="Arial" panose="020B0604020202090204" pitchFamily="34" charset="0"/>
+            </a:endParaRPr>
           </a:p>
         </p:txBody>
       </p:sp>
     </p:spTree>
-    <p:extLst>
-      <p:ext uri="{BB962C8B-B14F-4D97-AF65-F5344CB8AC3E}">
-        <p14:creationId xmlns:p14="http://schemas.microsoft.com/office/powerpoint/2010/main" val="538178262"/>
-      </p:ext>
-    </p:extLst>
   </p:cSld>
   <p:clrMapOvr>
     <a:masterClrMapping/>
@@ -3502,11 +3499,15 @@
           <a:p>
             <a:r>
               <a:rPr lang="en-US" dirty="0">
-                <a:latin typeface="Arial" panose="020B0604020202020204" pitchFamily="34" charset="0"/>
-                <a:cs typeface="Arial" panose="020B0604020202020204" pitchFamily="34" charset="0"/>
+                <a:latin typeface="Arial" panose="020B0604020202090204" pitchFamily="34" charset="0"/>
+                <a:cs typeface="Arial" panose="020B0604020202090204" pitchFamily="34" charset="0"/>
               </a:rPr>
               <a:t>Submission</a:t>
             </a:r>
+            <a:endParaRPr lang="en-US" dirty="0">
+              <a:latin typeface="Arial" panose="020B0604020202090204" pitchFamily="34" charset="0"/>
+              <a:cs typeface="Arial" panose="020B0604020202090204" pitchFamily="34" charset="0"/>
+            </a:endParaRPr>
           </a:p>
         </p:txBody>
       </p:sp>
@@ -3536,6 +3537,7 @@
               <a:rPr lang="en-US" sz="2400" dirty="0"/>
               <a:t>To submit your solution, please archive the folder containing all the files (including images) that make up your solution into a ZIP file, and upload the ZIP file to Blackboard.</a:t>
             </a:r>
+            <a:endParaRPr lang="en-US" sz="2400" dirty="0"/>
           </a:p>
           <a:p>
             <a:pPr lvl="1"/>
@@ -3543,6 +3545,7 @@
               <a:rPr lang="en-US" dirty="0"/>
               <a:t>For this assignment, the folder should be a Node.js project folder. </a:t>
             </a:r>
+            <a:endParaRPr lang="en-US" dirty="0"/>
           </a:p>
           <a:p>
             <a:pPr lvl="1"/>
@@ -3558,6 +3561,7 @@
               <a:rPr lang="en-US" dirty="0"/>
               <a:t>" before you prepare the ZIP file.</a:t>
             </a:r>
+            <a:endParaRPr lang="en-US" dirty="0"/>
           </a:p>
           <a:p>
             <a:pPr lvl="1"/>
@@ -3565,15 +3569,11 @@
               <a:rPr lang="en-US" dirty="0"/>
               <a:t>Please include your student ID in the filename of the ZIP file.</a:t>
             </a:r>
+            <a:endParaRPr lang="en-US" dirty="0"/>
           </a:p>
         </p:txBody>
       </p:sp>
     </p:spTree>
-    <p:extLst>
-      <p:ext uri="{BB962C8B-B14F-4D97-AF65-F5344CB8AC3E}">
-        <p14:creationId xmlns:p14="http://schemas.microsoft.com/office/powerpoint/2010/main" val="1096033330"/>
-      </p:ext>
-    </p:extLst>
   </p:cSld>
   <p:clrMapOvr>
     <a:masterClrMapping/>
@@ -3620,11 +3620,15 @@
           <a:p>
             <a:r>
               <a:rPr lang="en-US" b="1" dirty="0">
-                <a:latin typeface="Arial" panose="020B0604020202020204" pitchFamily="34" charset="0"/>
-                <a:cs typeface="Arial" panose="020B0604020202020204" pitchFamily="34" charset="0"/>
+                <a:latin typeface="Arial" panose="020B0604020202090204" pitchFamily="34" charset="0"/>
+                <a:cs typeface="Arial" panose="020B0604020202090204" pitchFamily="34" charset="0"/>
               </a:rPr>
               <a:t>Specification</a:t>
             </a:r>
+            <a:endParaRPr lang="en-US" b="1" dirty="0">
+              <a:latin typeface="Arial" panose="020B0604020202090204" pitchFamily="34" charset="0"/>
+              <a:cs typeface="Arial" panose="020B0604020202090204" pitchFamily="34" charset="0"/>
+            </a:endParaRPr>
           </a:p>
         </p:txBody>
       </p:sp>
@@ -3652,89 +3656,104 @@
           <a:p>
             <a:r>
               <a:rPr lang="en-US" sz="2400" b="1" dirty="0">
-                <a:latin typeface="Arial" panose="020B0604020202020204" pitchFamily="34" charset="0"/>
-                <a:cs typeface="Arial" panose="020B0604020202020204" pitchFamily="34" charset="0"/>
+                <a:latin typeface="Arial" panose="020B0604020202090204" pitchFamily="34" charset="0"/>
+                <a:cs typeface="Arial" panose="020B0604020202090204" pitchFamily="34" charset="0"/>
               </a:rPr>
               <a:t>Objective</a:t>
             </a:r>
             <a:r>
               <a:rPr lang="en-US" sz="2400" dirty="0">
-                <a:latin typeface="Arial" panose="020B0604020202020204" pitchFamily="34" charset="0"/>
-                <a:cs typeface="Arial" panose="020B0604020202020204" pitchFamily="34" charset="0"/>
+                <a:latin typeface="Arial" panose="020B0604020202090204" pitchFamily="34" charset="0"/>
+                <a:cs typeface="Arial" panose="020B0604020202090204" pitchFamily="34" charset="0"/>
               </a:rPr>
               <a:t>: In this assignment, you will need to </a:t>
             </a:r>
+            <a:endParaRPr lang="en-US" sz="2400" dirty="0">
+              <a:latin typeface="Arial" panose="020B0604020202090204" pitchFamily="34" charset="0"/>
+              <a:cs typeface="Arial" panose="020B0604020202090204" pitchFamily="34" charset="0"/>
+            </a:endParaRPr>
           </a:p>
           <a:p>
             <a:pPr lvl="1"/>
             <a:r>
               <a:rPr lang="en-US" sz="2000" dirty="0">
-                <a:latin typeface="Arial" panose="020B0604020202020204" pitchFamily="34" charset="0"/>
-                <a:cs typeface="Arial" panose="020B0604020202020204" pitchFamily="34" charset="0"/>
+                <a:latin typeface="Arial" panose="020B0604020202090204" pitchFamily="34" charset="0"/>
+                <a:cs typeface="Arial" panose="020B0604020202090204" pitchFamily="34" charset="0"/>
               </a:rPr>
               <a:t>Use server-side session to remember the login status of a user</a:t>
             </a:r>
+            <a:endParaRPr lang="en-US" sz="2000" dirty="0">
+              <a:latin typeface="Arial" panose="020B0604020202090204" pitchFamily="34" charset="0"/>
+              <a:cs typeface="Arial" panose="020B0604020202090204" pitchFamily="34" charset="0"/>
+            </a:endParaRPr>
           </a:p>
           <a:p>
             <a:pPr lvl="1"/>
             <a:r>
               <a:rPr lang="en-US" sz="2000" dirty="0">
-                <a:latin typeface="Arial" panose="020B0604020202020204" pitchFamily="34" charset="0"/>
-                <a:cs typeface="Arial" panose="020B0604020202020204" pitchFamily="34" charset="0"/>
+                <a:latin typeface="Arial" panose="020B0604020202090204" pitchFamily="34" charset="0"/>
+                <a:cs typeface="Arial" panose="020B0604020202090204" pitchFamily="34" charset="0"/>
               </a:rPr>
               <a:t>Retrieve/add data from/to a MySQL Database using JavaScript</a:t>
             </a:r>
-          </a:p>
-          <a:p>
             <a:endParaRPr lang="en-US" sz="2000" dirty="0">
-              <a:latin typeface="Arial" panose="020B0604020202020204" pitchFamily="34" charset="0"/>
-              <a:cs typeface="Arial" panose="020B0604020202020204" pitchFamily="34" charset="0"/>
+              <a:latin typeface="Arial" panose="020B0604020202090204" pitchFamily="34" charset="0"/>
+              <a:cs typeface="Arial" panose="020B0604020202090204" pitchFamily="34" charset="0"/>
+            </a:endParaRPr>
+          </a:p>
+          <a:p>
+            <a:endParaRPr lang="en-US" sz="2000" dirty="0">
+              <a:latin typeface="Arial" panose="020B0604020202090204" pitchFamily="34" charset="0"/>
+              <a:cs typeface="Arial" panose="020B0604020202090204" pitchFamily="34" charset="0"/>
             </a:endParaRPr>
           </a:p>
           <a:p>
             <a:r>
               <a:rPr lang="en-US" sz="2400" dirty="0">
-                <a:latin typeface="Arial" panose="020B0604020202020204" pitchFamily="34" charset="0"/>
-                <a:cs typeface="Arial" panose="020B0604020202020204" pitchFamily="34" charset="0"/>
+                <a:latin typeface="Arial" panose="020B0604020202090204" pitchFamily="34" charset="0"/>
+                <a:cs typeface="Arial" panose="020B0604020202090204" pitchFamily="34" charset="0"/>
               </a:rPr>
               <a:t>You can find the requirements for each page in the following slides.</a:t>
             </a:r>
-          </a:p>
-          <a:p>
             <a:endParaRPr lang="en-US" sz="2400" dirty="0">
-              <a:latin typeface="Arial" panose="020B0604020202020204" pitchFamily="34" charset="0"/>
-              <a:cs typeface="Arial" panose="020B0604020202020204" pitchFamily="34" charset="0"/>
+              <a:latin typeface="Arial" panose="020B0604020202090204" pitchFamily="34" charset="0"/>
+              <a:cs typeface="Arial" panose="020B0604020202090204" pitchFamily="34" charset="0"/>
+            </a:endParaRPr>
+          </a:p>
+          <a:p>
+            <a:endParaRPr lang="en-US" sz="2400" dirty="0">
+              <a:latin typeface="Arial" panose="020B0604020202090204" pitchFamily="34" charset="0"/>
+              <a:cs typeface="Arial" panose="020B0604020202090204" pitchFamily="34" charset="0"/>
             </a:endParaRPr>
           </a:p>
           <a:p>
             <a:r>
               <a:rPr lang="en-US" sz="2400" dirty="0">
-                <a:latin typeface="Arial" panose="020B0604020202020204" pitchFamily="34" charset="0"/>
-                <a:cs typeface="Arial" panose="020B0604020202020204" pitchFamily="34" charset="0"/>
+                <a:latin typeface="Arial" panose="020B0604020202090204" pitchFamily="34" charset="0"/>
+                <a:cs typeface="Arial" panose="020B0604020202090204" pitchFamily="34" charset="0"/>
               </a:rPr>
               <a:t>All the source files needed by this assignment can be found in asgn4.zip. </a:t>
             </a:r>
-          </a:p>
-          <a:p>
             <a:endParaRPr lang="en-US" sz="2400" dirty="0">
-              <a:latin typeface="Arial" panose="020B0604020202020204" pitchFamily="34" charset="0"/>
-              <a:cs typeface="Arial" panose="020B0604020202020204" pitchFamily="34" charset="0"/>
+              <a:latin typeface="Arial" panose="020B0604020202090204" pitchFamily="34" charset="0"/>
+              <a:cs typeface="Arial" panose="020B0604020202090204" pitchFamily="34" charset="0"/>
             </a:endParaRPr>
           </a:p>
           <a:p>
             <a:endParaRPr lang="en-US" sz="2400" dirty="0">
-              <a:latin typeface="Arial" panose="020B0604020202020204" pitchFamily="34" charset="0"/>
-              <a:cs typeface="Arial" panose="020B0604020202020204" pitchFamily="34" charset="0"/>
+              <a:latin typeface="Arial" panose="020B0604020202090204" pitchFamily="34" charset="0"/>
+              <a:cs typeface="Arial" panose="020B0604020202090204" pitchFamily="34" charset="0"/>
+            </a:endParaRPr>
+          </a:p>
+          <a:p>
+            <a:endParaRPr lang="en-US" sz="2400" dirty="0">
+              <a:latin typeface="Arial" panose="020B0604020202090204" pitchFamily="34" charset="0"/>
+              <a:cs typeface="Arial" panose="020B0604020202090204" pitchFamily="34" charset="0"/>
             </a:endParaRPr>
           </a:p>
         </p:txBody>
       </p:sp>
     </p:spTree>
-    <p:extLst>
-      <p:ext uri="{BB962C8B-B14F-4D97-AF65-F5344CB8AC3E}">
-        <p14:creationId xmlns:p14="http://schemas.microsoft.com/office/powerpoint/2010/main" val="1282354879"/>
-      </p:ext>
-    </p:extLst>
   </p:cSld>
   <p:clrMapOvr>
     <a:masterClrMapping/>
@@ -3761,13 +3780,7 @@
       </p:grpSpPr>
       <p:sp>
         <p:nvSpPr>
-          <p:cNvPr id="2" name="Title 1">
-            <a:extLst>
-              <a:ext uri="{FF2B5EF4-FFF2-40B4-BE49-F238E27FC236}">
-                <a16:creationId xmlns:a16="http://schemas.microsoft.com/office/drawing/2014/main" id="{B878920D-BED2-4469-8971-1C0A35BA552B}"/>
-              </a:ext>
-            </a:extLst>
-          </p:cNvPr>
+          <p:cNvPr id="2" name="Title 1"/>
           <p:cNvSpPr>
             <a:spLocks noGrp="1"/>
           </p:cNvSpPr>
@@ -3789,23 +3802,21 @@
           <a:p>
             <a:r>
               <a:rPr lang="en-US" sz="3600" dirty="0">
-                <a:latin typeface="Arial" panose="020B0604020202020204" pitchFamily="34" charset="0"/>
-                <a:cs typeface="Arial" panose="020B0604020202020204" pitchFamily="34" charset="0"/>
+                <a:latin typeface="Arial" panose="020B0604020202090204" pitchFamily="34" charset="0"/>
+                <a:cs typeface="Arial" panose="020B0604020202090204" pitchFamily="34" charset="0"/>
               </a:rPr>
               <a:t>MySQL (or MariaDB) Database Settings</a:t>
             </a:r>
-          </a:p>
-        </p:txBody>
-      </p:sp>
-      <p:sp>
-        <p:nvSpPr>
-          <p:cNvPr id="3" name="Content Placeholder 2">
-            <a:extLst>
-              <a:ext uri="{FF2B5EF4-FFF2-40B4-BE49-F238E27FC236}">
-                <a16:creationId xmlns:a16="http://schemas.microsoft.com/office/drawing/2014/main" id="{986D811D-0714-4790-8C6E-7540FFE0CA83}"/>
-              </a:ext>
-            </a:extLst>
-          </p:cNvPr>
+            <a:endParaRPr lang="en-US" sz="3600" dirty="0">
+              <a:latin typeface="Arial" panose="020B0604020202090204" pitchFamily="34" charset="0"/>
+              <a:cs typeface="Arial" panose="020B0604020202090204" pitchFamily="34" charset="0"/>
+            </a:endParaRPr>
+          </a:p>
+        </p:txBody>
+      </p:sp>
+      <p:sp>
+        <p:nvSpPr>
+          <p:cNvPr id="3" name="Content Placeholder 2"/>
           <p:cNvSpPr>
             <a:spLocks noGrp="1"/>
           </p:cNvSpPr>
@@ -3832,11 +3843,15 @@
             </a:pPr>
             <a:r>
               <a:rPr lang="en-US" sz="2000" dirty="0">
-                <a:latin typeface="Arial" panose="020B0604020202020204" pitchFamily="34" charset="0"/>
-                <a:cs typeface="Arial" panose="020B0604020202020204" pitchFamily="34" charset="0"/>
+                <a:latin typeface="Arial" panose="020B0604020202090204" pitchFamily="34" charset="0"/>
+                <a:cs typeface="Arial" panose="020B0604020202090204" pitchFamily="34" charset="0"/>
               </a:rPr>
               <a:t>You need to have a MySQL DBMS running on the local machine.</a:t>
             </a:r>
+            <a:endParaRPr lang="en-US" sz="2000" dirty="0">
+              <a:latin typeface="Arial" panose="020B0604020202090204" pitchFamily="34" charset="0"/>
+              <a:cs typeface="Arial" panose="020B0604020202090204" pitchFamily="34" charset="0"/>
+            </a:endParaRPr>
           </a:p>
           <a:p>
             <a:pPr lvl="1">
@@ -3846,11 +3861,15 @@
             </a:pPr>
             <a:r>
               <a:rPr lang="en-US" sz="1800" dirty="0">
-                <a:latin typeface="Arial" panose="020B0604020202020204" pitchFamily="34" charset="0"/>
-                <a:cs typeface="Arial" panose="020B0604020202020204" pitchFamily="34" charset="0"/>
+                <a:latin typeface="Arial" panose="020B0604020202090204" pitchFamily="34" charset="0"/>
+                <a:cs typeface="Arial" panose="020B0604020202090204" pitchFamily="34" charset="0"/>
               </a:rPr>
               <a:t>Using XAMPP is preferred (as it is easier to install and it comes with phpMyAdmin – a Web interface to interact with MySQL DBMS)</a:t>
             </a:r>
+            <a:endParaRPr lang="en-US" sz="1800" dirty="0">
+              <a:latin typeface="Arial" panose="020B0604020202090204" pitchFamily="34" charset="0"/>
+              <a:cs typeface="Arial" panose="020B0604020202090204" pitchFamily="34" charset="0"/>
+            </a:endParaRPr>
           </a:p>
           <a:p>
             <a:pPr lvl="1">
@@ -3860,11 +3879,15 @@
             </a:pPr>
             <a:r>
               <a:rPr lang="en-US" sz="1800" dirty="0">
-                <a:latin typeface="Arial" panose="020B0604020202020204" pitchFamily="34" charset="0"/>
-                <a:cs typeface="Arial" panose="020B0604020202020204" pitchFamily="34" charset="0"/>
+                <a:latin typeface="Arial" panose="020B0604020202090204" pitchFamily="34" charset="0"/>
+                <a:cs typeface="Arial" panose="020B0604020202090204" pitchFamily="34" charset="0"/>
               </a:rPr>
               <a:t>The DBMS should be listening to the default port 3306.</a:t>
             </a:r>
+            <a:endParaRPr lang="en-US" sz="1800" dirty="0">
+              <a:latin typeface="Arial" panose="020B0604020202090204" pitchFamily="34" charset="0"/>
+              <a:cs typeface="Arial" panose="020B0604020202090204" pitchFamily="34" charset="0"/>
+            </a:endParaRPr>
           </a:p>
           <a:p>
             <a:pPr lvl="1">
@@ -3873,8 +3896,8 @@
               </a:lnSpc>
             </a:pPr>
             <a:endParaRPr lang="en-US" sz="1400" dirty="0">
-              <a:latin typeface="Arial" panose="020B0604020202020204" pitchFamily="34" charset="0"/>
-              <a:cs typeface="Arial" panose="020B0604020202020204" pitchFamily="34" charset="0"/>
+              <a:latin typeface="Arial" panose="020B0604020202090204" pitchFamily="34" charset="0"/>
+              <a:cs typeface="Arial" panose="020B0604020202090204" pitchFamily="34" charset="0"/>
             </a:endParaRPr>
           </a:p>
           <a:p>
@@ -3885,11 +3908,15 @@
             </a:pPr>
             <a:r>
               <a:rPr lang="en-US" sz="2000" dirty="0">
-                <a:latin typeface="Arial" panose="020B0604020202020204" pitchFamily="34" charset="0"/>
-                <a:cs typeface="Arial" panose="020B0604020202020204" pitchFamily="34" charset="0"/>
+                <a:latin typeface="Arial" panose="020B0604020202090204" pitchFamily="34" charset="0"/>
+                <a:cs typeface="Arial" panose="020B0604020202090204" pitchFamily="34" charset="0"/>
               </a:rPr>
               <a:t>The password for the "root" user is assumed to be an empty string (i.e., the default setting in XAMPP).</a:t>
             </a:r>
+            <a:endParaRPr lang="en-US" sz="2000" dirty="0">
+              <a:latin typeface="Arial" panose="020B0604020202090204" pitchFamily="34" charset="0"/>
+              <a:cs typeface="Arial" panose="020B0604020202090204" pitchFamily="34" charset="0"/>
+            </a:endParaRPr>
           </a:p>
           <a:p>
             <a:pPr>
@@ -3898,8 +3925,8 @@
               </a:lnSpc>
             </a:pPr>
             <a:endParaRPr lang="en-US" sz="1400" dirty="0">
-              <a:latin typeface="Arial" panose="020B0604020202020204" pitchFamily="34" charset="0"/>
-              <a:cs typeface="Arial" panose="020B0604020202020204" pitchFamily="34" charset="0"/>
+              <a:latin typeface="Arial" panose="020B0604020202090204" pitchFamily="34" charset="0"/>
+              <a:cs typeface="Arial" panose="020B0604020202090204" pitchFamily="34" charset="0"/>
             </a:endParaRPr>
           </a:p>
           <a:p>
@@ -3910,11 +3937,15 @@
             </a:pPr>
             <a:r>
               <a:rPr lang="en-US" sz="2000" dirty="0">
-                <a:latin typeface="Arial" panose="020B0604020202020204" pitchFamily="34" charset="0"/>
-                <a:cs typeface="Arial" panose="020B0604020202020204" pitchFamily="34" charset="0"/>
+                <a:latin typeface="Arial" panose="020B0604020202090204" pitchFamily="34" charset="0"/>
+                <a:cs typeface="Arial" panose="020B0604020202090204" pitchFamily="34" charset="0"/>
               </a:rPr>
               <a:t>The database name is "eclt5830_asgn4"</a:t>
             </a:r>
+            <a:endParaRPr lang="en-US" sz="2000" dirty="0">
+              <a:latin typeface="Arial" panose="020B0604020202090204" pitchFamily="34" charset="0"/>
+              <a:cs typeface="Arial" panose="020B0604020202090204" pitchFamily="34" charset="0"/>
+            </a:endParaRPr>
           </a:p>
           <a:p>
             <a:pPr>
@@ -3923,8 +3954,8 @@
               </a:lnSpc>
             </a:pPr>
             <a:endParaRPr lang="en-US" sz="1400" dirty="0">
-              <a:latin typeface="Arial" panose="020B0604020202020204" pitchFamily="34" charset="0"/>
-              <a:cs typeface="Arial" panose="020B0604020202020204" pitchFamily="34" charset="0"/>
+              <a:latin typeface="Arial" panose="020B0604020202090204" pitchFamily="34" charset="0"/>
+              <a:cs typeface="Arial" panose="020B0604020202090204" pitchFamily="34" charset="0"/>
             </a:endParaRPr>
           </a:p>
           <a:p>
@@ -3935,83 +3966,82 @@
             </a:pPr>
             <a:r>
               <a:rPr lang="en-US" sz="2000" b="1" dirty="0">
-                <a:latin typeface="Arial" panose="020B0604020202020204" pitchFamily="34" charset="0"/>
-                <a:cs typeface="Arial" panose="020B0604020202020204" pitchFamily="34" charset="0"/>
+                <a:latin typeface="Arial" panose="020B0604020202090204" pitchFamily="34" charset="0"/>
+                <a:cs typeface="Arial" panose="020B0604020202090204" pitchFamily="34" charset="0"/>
               </a:rPr>
               <a:t>Note</a:t>
             </a:r>
             <a:r>
               <a:rPr lang="en-US" sz="2000" dirty="0">
-                <a:latin typeface="Arial" panose="020B0604020202020204" pitchFamily="34" charset="0"/>
-                <a:cs typeface="Arial" panose="020B0604020202020204" pitchFamily="34" charset="0"/>
+                <a:latin typeface="Arial" panose="020B0604020202090204" pitchFamily="34" charset="0"/>
+                <a:cs typeface="Arial" panose="020B0604020202090204" pitchFamily="34" charset="0"/>
               </a:rPr>
               <a:t>: If you can run "node </a:t>
             </a:r>
             <a:r>
               <a:rPr lang="en-US" sz="2000" dirty="0" err="1">
-                <a:latin typeface="Arial" panose="020B0604020202020204" pitchFamily="34" charset="0"/>
-                <a:cs typeface="Arial" panose="020B0604020202020204" pitchFamily="34" charset="0"/>
+                <a:latin typeface="Arial" panose="020B0604020202090204" pitchFamily="34" charset="0"/>
+                <a:cs typeface="Arial" panose="020B0604020202090204" pitchFamily="34" charset="0"/>
               </a:rPr>
               <a:t>init</a:t>
             </a:r>
             <a:r>
               <a:rPr lang="en-US" sz="2000" dirty="0">
-                <a:latin typeface="Arial" panose="020B0604020202020204" pitchFamily="34" charset="0"/>
-                <a:cs typeface="Arial" panose="020B0604020202020204" pitchFamily="34" charset="0"/>
+                <a:latin typeface="Arial" panose="020B0604020202090204" pitchFamily="34" charset="0"/>
+                <a:cs typeface="Arial" panose="020B0604020202090204" pitchFamily="34" charset="0"/>
               </a:rPr>
               <a:t>" in folder "</a:t>
             </a:r>
             <a:r>
               <a:rPr lang="en-US" sz="2000" dirty="0" err="1">
-                <a:latin typeface="Arial" panose="020B0604020202020204" pitchFamily="34" charset="0"/>
-                <a:cs typeface="Arial" panose="020B0604020202020204" pitchFamily="34" charset="0"/>
+                <a:latin typeface="Arial" panose="020B0604020202090204" pitchFamily="34" charset="0"/>
+                <a:cs typeface="Arial" panose="020B0604020202090204" pitchFamily="34" charset="0"/>
               </a:rPr>
               <a:t>js</a:t>
             </a:r>
             <a:r>
               <a:rPr lang="en-US" sz="2000" dirty="0">
-                <a:latin typeface="Arial" panose="020B0604020202020204" pitchFamily="34" charset="0"/>
-                <a:cs typeface="Arial" panose="020B0604020202020204" pitchFamily="34" charset="0"/>
+                <a:latin typeface="Arial" panose="020B0604020202090204" pitchFamily="34" charset="0"/>
+                <a:cs typeface="Arial" panose="020B0604020202090204" pitchFamily="34" charset="0"/>
               </a:rPr>
               <a:t>/</a:t>
             </a:r>
             <a:r>
               <a:rPr lang="en-US" sz="2000" dirty="0" err="1">
-                <a:latin typeface="Arial" panose="020B0604020202020204" pitchFamily="34" charset="0"/>
-                <a:cs typeface="Arial" panose="020B0604020202020204" pitchFamily="34" charset="0"/>
+                <a:latin typeface="Arial" panose="020B0604020202090204" pitchFamily="34" charset="0"/>
+                <a:cs typeface="Arial" panose="020B0604020202090204" pitchFamily="34" charset="0"/>
               </a:rPr>
               <a:t>init</a:t>
             </a:r>
             <a:r>
               <a:rPr lang="en-US" sz="2000" dirty="0">
-                <a:latin typeface="Arial" panose="020B0604020202020204" pitchFamily="34" charset="0"/>
-                <a:cs typeface="Arial" panose="020B0604020202020204" pitchFamily="34" charset="0"/>
+                <a:latin typeface="Arial" panose="020B0604020202090204" pitchFamily="34" charset="0"/>
+                <a:cs typeface="Arial" panose="020B0604020202090204" pitchFamily="34" charset="0"/>
               </a:rPr>
               <a:t>" without any problem, then your DBMS setting is as expected. If the database setting on your machine is different, please </a:t>
             </a:r>
             <a:r>
               <a:rPr lang="en-US" sz="2000" u="sng" dirty="0">
-                <a:latin typeface="Arial" panose="020B0604020202020204" pitchFamily="34" charset="0"/>
-                <a:cs typeface="Arial" panose="020B0604020202020204" pitchFamily="34" charset="0"/>
+                <a:latin typeface="Arial" panose="020B0604020202090204" pitchFamily="34" charset="0"/>
+                <a:cs typeface="Arial" panose="020B0604020202090204" pitchFamily="34" charset="0"/>
               </a:rPr>
               <a:t>change back the database configuration</a:t>
             </a:r>
             <a:r>
               <a:rPr lang="en-US" sz="2000" dirty="0">
-                <a:latin typeface="Arial" panose="020B0604020202020204" pitchFamily="34" charset="0"/>
-                <a:cs typeface="Arial" panose="020B0604020202020204" pitchFamily="34" charset="0"/>
+                <a:latin typeface="Arial" panose="020B0604020202090204" pitchFamily="34" charset="0"/>
+                <a:cs typeface="Arial" panose="020B0604020202090204" pitchFamily="34" charset="0"/>
               </a:rPr>
               <a:t> in your code before you submit your solution.</a:t>
             </a:r>
+            <a:endParaRPr lang="en-US" sz="2000" dirty="0">
+              <a:latin typeface="Arial" panose="020B0604020202090204" pitchFamily="34" charset="0"/>
+              <a:cs typeface="Arial" panose="020B0604020202090204" pitchFamily="34" charset="0"/>
+            </a:endParaRPr>
           </a:p>
         </p:txBody>
       </p:sp>
     </p:spTree>
-    <p:extLst>
-      <p:ext uri="{BB962C8B-B14F-4D97-AF65-F5344CB8AC3E}">
-        <p14:creationId xmlns:p14="http://schemas.microsoft.com/office/powerpoint/2010/main" val="929251641"/>
-      </p:ext>
-    </p:extLst>
   </p:cSld>
   <p:clrMapOvr>
     <a:masterClrMapping/>
@@ -4038,13 +4068,7 @@
       </p:grpSpPr>
       <p:sp>
         <p:nvSpPr>
-          <p:cNvPr id="2" name="Title 1">
-            <a:extLst>
-              <a:ext uri="{FF2B5EF4-FFF2-40B4-BE49-F238E27FC236}">
-                <a16:creationId xmlns:a16="http://schemas.microsoft.com/office/drawing/2014/main" id="{9C9D43B3-E630-4FAD-8352-04B65AF4128D}"/>
-              </a:ext>
-            </a:extLst>
-          </p:cNvPr>
+          <p:cNvPr id="2" name="Title 1"/>
           <p:cNvSpPr>
             <a:spLocks noGrp="1"/>
           </p:cNvSpPr>
@@ -4066,23 +4090,21 @@
           <a:p>
             <a:r>
               <a:rPr lang="en-US" sz="3600" dirty="0">
-                <a:latin typeface="Arial" panose="020B0604020202020204" pitchFamily="34" charset="0"/>
-                <a:cs typeface="Arial" panose="020B0604020202020204" pitchFamily="34" charset="0"/>
+                <a:latin typeface="Arial" panose="020B0604020202090204" pitchFamily="34" charset="0"/>
+                <a:cs typeface="Arial" panose="020B0604020202090204" pitchFamily="34" charset="0"/>
               </a:rPr>
               <a:t>Database Structure</a:t>
             </a:r>
-          </a:p>
-        </p:txBody>
-      </p:sp>
-      <p:sp>
-        <p:nvSpPr>
-          <p:cNvPr id="3" name="Content Placeholder 2">
-            <a:extLst>
-              <a:ext uri="{FF2B5EF4-FFF2-40B4-BE49-F238E27FC236}">
-                <a16:creationId xmlns:a16="http://schemas.microsoft.com/office/drawing/2014/main" id="{51FE18E2-05C7-459A-9CD1-D40E26411EA9}"/>
-              </a:ext>
-            </a:extLst>
-          </p:cNvPr>
+            <a:endParaRPr lang="en-US" sz="3600" dirty="0">
+              <a:latin typeface="Arial" panose="020B0604020202090204" pitchFamily="34" charset="0"/>
+              <a:cs typeface="Arial" panose="020B0604020202090204" pitchFamily="34" charset="0"/>
+            </a:endParaRPr>
+          </a:p>
+        </p:txBody>
+      </p:sp>
+      <p:sp>
+        <p:nvSpPr>
+          <p:cNvPr id="3" name="Content Placeholder 2"/>
           <p:cNvSpPr>
             <a:spLocks noGrp="1"/>
           </p:cNvSpPr>
@@ -4106,6 +4128,7 @@
               <a:rPr lang="en-US" dirty="0"/>
               <a:t>The database is designed for an app that allows its users to redeem items with tokens. </a:t>
             </a:r>
+            <a:endParaRPr lang="en-US" dirty="0"/>
           </a:p>
           <a:p>
             <a:endParaRPr lang="en-US" dirty="0"/>
@@ -4139,6 +4162,7 @@
               <a:rPr lang="en-US" dirty="0"/>
               <a:t>" to find out the structure of the following tables: </a:t>
             </a:r>
+            <a:endParaRPr lang="en-US" dirty="0"/>
           </a:p>
           <a:p>
             <a:pPr lvl="1"/>
@@ -4186,6 +4210,7 @@
               <a:rPr lang="en-US" dirty="0"/>
               <a:t>The unit of price is tokens.</a:t>
             </a:r>
+            <a:endParaRPr lang="en-US" dirty="0"/>
           </a:p>
           <a:p>
             <a:pPr lvl="2"/>
@@ -4197,6 +4222,7 @@
               <a:rPr lang="en-US" dirty="0"/>
               <a:t> is not used in this assignment.</a:t>
             </a:r>
+            <a:endParaRPr lang="en-US" dirty="0"/>
           </a:p>
           <a:p>
             <a:pPr lvl="1"/>
@@ -4236,15 +4262,11 @@
               <a:rPr lang="en-US" dirty="0"/>
               <a:t>This table records the items redeemed by each user</a:t>
             </a:r>
+            <a:endParaRPr lang="en-US" dirty="0"/>
           </a:p>
         </p:txBody>
       </p:sp>
     </p:spTree>
-    <p:extLst>
-      <p:ext uri="{BB962C8B-B14F-4D97-AF65-F5344CB8AC3E}">
-        <p14:creationId xmlns:p14="http://schemas.microsoft.com/office/powerpoint/2010/main" val="713864615"/>
-      </p:ext>
-    </p:extLst>
   </p:cSld>
   <p:clrMapOvr>
     <a:masterClrMapping/>
@@ -4271,13 +4293,7 @@
       </p:grpSpPr>
       <p:sp>
         <p:nvSpPr>
-          <p:cNvPr id="2" name="Title 1">
-            <a:extLst>
-              <a:ext uri="{FF2B5EF4-FFF2-40B4-BE49-F238E27FC236}">
-                <a16:creationId xmlns:a16="http://schemas.microsoft.com/office/drawing/2014/main" id="{026361DD-A4A6-45B2-9360-50CD173E8E38}"/>
-              </a:ext>
-            </a:extLst>
-          </p:cNvPr>
+          <p:cNvPr id="2" name="Title 1"/>
           <p:cNvSpPr>
             <a:spLocks noGrp="1"/>
           </p:cNvSpPr>
@@ -4292,23 +4308,21 @@
           <a:p>
             <a:r>
               <a:rPr lang="en-US" sz="3600" dirty="0">
-                <a:latin typeface="Arial" panose="020B0604020202020204" pitchFamily="34" charset="0"/>
-                <a:cs typeface="Arial" panose="020B0604020202020204" pitchFamily="34" charset="0"/>
+                <a:latin typeface="Arial" panose="020B0604020202090204" pitchFamily="34" charset="0"/>
+                <a:cs typeface="Arial" panose="020B0604020202090204" pitchFamily="34" charset="0"/>
               </a:rPr>
               <a:t>The Application Model</a:t>
             </a:r>
-          </a:p>
-        </p:txBody>
-      </p:sp>
-      <p:sp>
-        <p:nvSpPr>
-          <p:cNvPr id="3" name="Content Placeholder 2">
-            <a:extLst>
-              <a:ext uri="{FF2B5EF4-FFF2-40B4-BE49-F238E27FC236}">
-                <a16:creationId xmlns:a16="http://schemas.microsoft.com/office/drawing/2014/main" id="{41870630-7B3B-4E9B-9E53-C79BF9E5419B}"/>
-              </a:ext>
-            </a:extLst>
-          </p:cNvPr>
+            <a:endParaRPr lang="en-US" sz="3600" dirty="0">
+              <a:latin typeface="Arial" panose="020B0604020202090204" pitchFamily="34" charset="0"/>
+              <a:cs typeface="Arial" panose="020B0604020202090204" pitchFamily="34" charset="0"/>
+            </a:endParaRPr>
+          </a:p>
+        </p:txBody>
+      </p:sp>
+      <p:sp>
+        <p:nvSpPr>
+          <p:cNvPr id="3" name="Content Placeholder 2"/>
           <p:cNvSpPr>
             <a:spLocks noGrp="1"/>
           </p:cNvSpPr>
@@ -4325,6 +4339,7 @@
               <a:rPr lang="en-US" dirty="0"/>
               <a:t>Currently, the model of the application is made up of </a:t>
             </a:r>
+            <a:endParaRPr lang="en-US" dirty="0"/>
           </a:p>
           <a:p>
             <a:pPr lvl="1"/>
@@ -4332,6 +4347,7 @@
               <a:rPr lang="en-US" dirty="0"/>
               <a:t>Data represented as generic JS objects </a:t>
             </a:r>
+            <a:endParaRPr lang="en-US" dirty="0"/>
           </a:p>
           <a:p>
             <a:pPr lvl="1"/>
@@ -4363,6 +4379,7 @@
               <a:rPr lang="en-US" dirty="0"/>
               <a:t>/redeem.js)</a:t>
             </a:r>
+            <a:endParaRPr lang="en-US" dirty="0"/>
           </a:p>
           <a:p>
             <a:pPr lvl="1"/>
@@ -4373,6 +4390,7 @@
               <a:rPr lang="en-US" dirty="0"/>
               <a:t>It is not a complete model; some functions are purposely left out.</a:t>
             </a:r>
+            <a:endParaRPr lang="en-US" dirty="0"/>
           </a:p>
           <a:p>
             <a:endParaRPr lang="en-US" dirty="0"/>
@@ -4382,15 +4400,11 @@
               <a:rPr lang="en-US" dirty="0"/>
               <a:t>For this assignment, you only need to use some of the functions currently implemented in the model.</a:t>
             </a:r>
+            <a:endParaRPr lang="en-US" dirty="0"/>
           </a:p>
         </p:txBody>
       </p:sp>
     </p:spTree>
-    <p:extLst>
-      <p:ext uri="{BB962C8B-B14F-4D97-AF65-F5344CB8AC3E}">
-        <p14:creationId xmlns:p14="http://schemas.microsoft.com/office/powerpoint/2010/main" val="2554168175"/>
-      </p:ext>
-    </p:extLst>
   </p:cSld>
   <p:clrMapOvr>
     <a:masterClrMapping/>
@@ -4417,13 +4431,7 @@
       </p:grpSpPr>
       <p:sp>
         <p:nvSpPr>
-          <p:cNvPr id="2" name="Title 1">
-            <a:extLst>
-              <a:ext uri="{FF2B5EF4-FFF2-40B4-BE49-F238E27FC236}">
-                <a16:creationId xmlns:a16="http://schemas.microsoft.com/office/drawing/2014/main" id="{1786A1A0-F824-4C7F-9937-83943ADE847E}"/>
-              </a:ext>
-            </a:extLst>
-          </p:cNvPr>
+          <p:cNvPr id="2" name="Title 1"/>
           <p:cNvSpPr>
             <a:spLocks noGrp="1"/>
           </p:cNvSpPr>
@@ -4445,23 +4453,21 @@
           <a:p>
             <a:r>
               <a:rPr lang="en-US" sz="3600" dirty="0">
-                <a:latin typeface="Arial" panose="020B0604020202020204" pitchFamily="34" charset="0"/>
-                <a:cs typeface="Arial" panose="020B0604020202020204" pitchFamily="34" charset="0"/>
+                <a:latin typeface="Arial" panose="020B0604020202090204" pitchFamily="34" charset="0"/>
+                <a:cs typeface="Arial" panose="020B0604020202090204" pitchFamily="34" charset="0"/>
               </a:rPr>
               <a:t>Tasks 1-4</a:t>
             </a:r>
-          </a:p>
-        </p:txBody>
-      </p:sp>
-      <p:sp>
-        <p:nvSpPr>
-          <p:cNvPr id="3" name="Content Placeholder 2">
-            <a:extLst>
-              <a:ext uri="{FF2B5EF4-FFF2-40B4-BE49-F238E27FC236}">
-                <a16:creationId xmlns:a16="http://schemas.microsoft.com/office/drawing/2014/main" id="{BCB6DAB0-A6DC-4DD2-83F1-4EDDAB8104E9}"/>
-              </a:ext>
-            </a:extLst>
-          </p:cNvPr>
+            <a:endParaRPr lang="en-US" sz="3600" dirty="0">
+              <a:latin typeface="Arial" panose="020B0604020202090204" pitchFamily="34" charset="0"/>
+              <a:cs typeface="Arial" panose="020B0604020202090204" pitchFamily="34" charset="0"/>
+            </a:endParaRPr>
+          </a:p>
+        </p:txBody>
+      </p:sp>
+      <p:sp>
+        <p:nvSpPr>
+          <p:cNvPr id="3" name="Content Placeholder 2"/>
           <p:cNvSpPr>
             <a:spLocks noGrp="1"/>
           </p:cNvSpPr>
@@ -4486,164 +4492,192 @@
             </a:pPr>
             <a:r>
               <a:rPr lang="en-US" sz="2400" b="1" dirty="0">
-                <a:latin typeface="Arial" panose="020B0604020202020204" pitchFamily="34" charset="0"/>
-                <a:cs typeface="Arial" panose="020B0604020202020204" pitchFamily="34" charset="0"/>
+                <a:latin typeface="Arial" panose="020B0604020202090204" pitchFamily="34" charset="0"/>
+                <a:cs typeface="Arial" panose="020B0604020202090204" pitchFamily="34" charset="0"/>
               </a:rPr>
               <a:t>Requirements</a:t>
             </a:r>
             <a:r>
               <a:rPr lang="en-US" sz="2400" dirty="0">
-                <a:latin typeface="Arial" panose="020B0604020202020204" pitchFamily="34" charset="0"/>
-                <a:cs typeface="Arial" panose="020B0604020202020204" pitchFamily="34" charset="0"/>
+                <a:latin typeface="Arial" panose="020B0604020202090204" pitchFamily="34" charset="0"/>
+                <a:cs typeface="Arial" panose="020B0604020202090204" pitchFamily="34" charset="0"/>
               </a:rPr>
               <a:t>: Modify </a:t>
             </a:r>
             <a:r>
               <a:rPr lang="en-US" sz="2400" dirty="0">
                 <a:latin typeface="Consolas" panose="020B0609020204030204" pitchFamily="49" charset="0"/>
-                <a:cs typeface="Arial" panose="020B0604020202020204" pitchFamily="34" charset="0"/>
+                <a:cs typeface="Arial" panose="020B0604020202090204" pitchFamily="34" charset="0"/>
               </a:rPr>
               <a:t>index.js</a:t>
             </a:r>
             <a:r>
               <a:rPr lang="en-US" sz="2400" dirty="0">
-                <a:latin typeface="Arial" panose="020B0604020202020204" pitchFamily="34" charset="0"/>
-                <a:cs typeface="Arial" panose="020B0604020202020204" pitchFamily="34" charset="0"/>
+                <a:latin typeface="Arial" panose="020B0604020202090204" pitchFamily="34" charset="0"/>
+                <a:cs typeface="Arial" panose="020B0604020202090204" pitchFamily="34" charset="0"/>
               </a:rPr>
               <a:t> accordingly to</a:t>
             </a:r>
-          </a:p>
-          <a:p>
             <a:endParaRPr lang="en-US" sz="2400" dirty="0">
-              <a:latin typeface="Arial" panose="020B0604020202020204" pitchFamily="34" charset="0"/>
-              <a:cs typeface="Arial" panose="020B0604020202020204" pitchFamily="34" charset="0"/>
+              <a:latin typeface="Arial" panose="020B0604020202090204" pitchFamily="34" charset="0"/>
+              <a:cs typeface="Arial" panose="020B0604020202090204" pitchFamily="34" charset="0"/>
+            </a:endParaRPr>
+          </a:p>
+          <a:p>
+            <a:endParaRPr lang="en-US" sz="2400" dirty="0">
+              <a:latin typeface="Arial" panose="020B0604020202090204" pitchFamily="34" charset="0"/>
+              <a:cs typeface="Arial" panose="020B0604020202090204" pitchFamily="34" charset="0"/>
             </a:endParaRPr>
           </a:p>
           <a:p>
             <a:r>
               <a:rPr lang="en-US" sz="2400" dirty="0">
-                <a:latin typeface="Arial" panose="020B0604020202020204" pitchFamily="34" charset="0"/>
-                <a:cs typeface="Arial" panose="020B0604020202020204" pitchFamily="34" charset="0"/>
+                <a:latin typeface="Arial" panose="020B0604020202090204" pitchFamily="34" charset="0"/>
+                <a:cs typeface="Arial" panose="020B0604020202090204" pitchFamily="34" charset="0"/>
               </a:rPr>
               <a:t>Enable session and setup middleware to parse request body</a:t>
             </a:r>
-          </a:p>
-          <a:p>
             <a:endParaRPr lang="en-US" sz="2400" dirty="0">
-              <a:latin typeface="Arial" panose="020B0604020202020204" pitchFamily="34" charset="0"/>
-              <a:cs typeface="Arial" panose="020B0604020202020204" pitchFamily="34" charset="0"/>
+              <a:latin typeface="Arial" panose="020B0604020202090204" pitchFamily="34" charset="0"/>
+              <a:cs typeface="Arial" panose="020B0604020202090204" pitchFamily="34" charset="0"/>
+            </a:endParaRPr>
+          </a:p>
+          <a:p>
+            <a:endParaRPr lang="en-US" sz="2400" dirty="0">
+              <a:latin typeface="Arial" panose="020B0604020202090204" pitchFamily="34" charset="0"/>
+              <a:cs typeface="Arial" panose="020B0604020202090204" pitchFamily="34" charset="0"/>
             </a:endParaRPr>
           </a:p>
           <a:p>
             <a:r>
               <a:rPr lang="en-US" sz="2400" dirty="0">
-                <a:latin typeface="Arial" panose="020B0604020202020204" pitchFamily="34" charset="0"/>
-                <a:cs typeface="Arial" panose="020B0604020202020204" pitchFamily="34" charset="0"/>
+                <a:latin typeface="Arial" panose="020B0604020202090204" pitchFamily="34" charset="0"/>
+                <a:cs typeface="Arial" panose="020B0604020202090204" pitchFamily="34" charset="0"/>
               </a:rPr>
               <a:t>Tasks 1-4: Modify the callback functions in</a:t>
             </a:r>
+            <a:endParaRPr lang="en-US" sz="2400" dirty="0">
+              <a:latin typeface="Arial" panose="020B0604020202090204" pitchFamily="34" charset="0"/>
+              <a:cs typeface="Arial" panose="020B0604020202090204" pitchFamily="34" charset="0"/>
+            </a:endParaRPr>
           </a:p>
           <a:p>
             <a:pPr lvl="1"/>
             <a:r>
               <a:rPr lang="en-US" sz="2000" dirty="0">
-                <a:latin typeface="Arial" panose="020B0604020202020204" pitchFamily="34" charset="0"/>
-                <a:cs typeface="Arial" panose="020B0604020202020204" pitchFamily="34" charset="0"/>
+                <a:latin typeface="Arial" panose="020B0604020202090204" pitchFamily="34" charset="0"/>
+                <a:cs typeface="Arial" panose="020B0604020202090204" pitchFamily="34" charset="0"/>
               </a:rPr>
               <a:t>Task 1: </a:t>
             </a:r>
             <a:r>
               <a:rPr lang="en-US" sz="2000" dirty="0" err="1">
-                <a:latin typeface="Arial" panose="020B0604020202020204" pitchFamily="34" charset="0"/>
-                <a:cs typeface="Arial" panose="020B0604020202020204" pitchFamily="34" charset="0"/>
+                <a:latin typeface="Arial" panose="020B0604020202090204" pitchFamily="34" charset="0"/>
+                <a:cs typeface="Arial" panose="020B0604020202090204" pitchFamily="34" charset="0"/>
               </a:rPr>
               <a:t>app.post</a:t>
             </a:r>
             <a:r>
               <a:rPr lang="en-US" sz="2000" dirty="0">
-                <a:latin typeface="Arial" panose="020B0604020202020204" pitchFamily="34" charset="0"/>
-                <a:cs typeface="Arial" panose="020B0604020202020204" pitchFamily="34" charset="0"/>
+                <a:latin typeface="Arial" panose="020B0604020202090204" pitchFamily="34" charset="0"/>
+                <a:cs typeface="Arial" panose="020B0604020202090204" pitchFamily="34" charset="0"/>
               </a:rPr>
               <a:t>('/login', …)</a:t>
             </a:r>
+            <a:endParaRPr lang="en-US" sz="2000" dirty="0">
+              <a:latin typeface="Arial" panose="020B0604020202090204" pitchFamily="34" charset="0"/>
+              <a:cs typeface="Arial" panose="020B0604020202090204" pitchFamily="34" charset="0"/>
+            </a:endParaRPr>
           </a:p>
           <a:p>
             <a:pPr lvl="1"/>
             <a:r>
               <a:rPr lang="en-US" sz="2000" dirty="0">
-                <a:latin typeface="Arial" panose="020B0604020202020204" pitchFamily="34" charset="0"/>
-                <a:cs typeface="Arial" panose="020B0604020202020204" pitchFamily="34" charset="0"/>
+                <a:latin typeface="Arial" panose="020B0604020202090204" pitchFamily="34" charset="0"/>
+                <a:cs typeface="Arial" panose="020B0604020202090204" pitchFamily="34" charset="0"/>
               </a:rPr>
               <a:t>Task 2: </a:t>
             </a:r>
             <a:r>
               <a:rPr lang="en-US" sz="2000" dirty="0" err="1">
-                <a:latin typeface="Arial" panose="020B0604020202020204" pitchFamily="34" charset="0"/>
-                <a:cs typeface="Arial" panose="020B0604020202020204" pitchFamily="34" charset="0"/>
+                <a:latin typeface="Arial" panose="020B0604020202090204" pitchFamily="34" charset="0"/>
+                <a:cs typeface="Arial" panose="020B0604020202090204" pitchFamily="34" charset="0"/>
               </a:rPr>
               <a:t>app.get</a:t>
             </a:r>
             <a:r>
               <a:rPr lang="en-US" sz="2000" dirty="0">
-                <a:latin typeface="Arial" panose="020B0604020202020204" pitchFamily="34" charset="0"/>
-                <a:cs typeface="Arial" panose="020B0604020202020204" pitchFamily="34" charset="0"/>
+                <a:latin typeface="Arial" panose="020B0604020202090204" pitchFamily="34" charset="0"/>
+                <a:cs typeface="Arial" panose="020B0604020202090204" pitchFamily="34" charset="0"/>
               </a:rPr>
               <a:t>('/logout', …)</a:t>
             </a:r>
+            <a:endParaRPr lang="en-US" sz="2000" dirty="0">
+              <a:latin typeface="Arial" panose="020B0604020202090204" pitchFamily="34" charset="0"/>
+              <a:cs typeface="Arial" panose="020B0604020202090204" pitchFamily="34" charset="0"/>
+            </a:endParaRPr>
           </a:p>
           <a:p>
             <a:pPr lvl="1"/>
             <a:r>
               <a:rPr lang="en-US" sz="2000" dirty="0">
-                <a:latin typeface="Arial" panose="020B0604020202020204" pitchFamily="34" charset="0"/>
-                <a:cs typeface="Arial" panose="020B0604020202020204" pitchFamily="34" charset="0"/>
+                <a:latin typeface="Arial" panose="020B0604020202090204" pitchFamily="34" charset="0"/>
+                <a:cs typeface="Arial" panose="020B0604020202090204" pitchFamily="34" charset="0"/>
               </a:rPr>
               <a:t>Task 3: </a:t>
             </a:r>
             <a:r>
               <a:rPr lang="en-US" sz="2000" dirty="0" err="1">
-                <a:latin typeface="Arial" panose="020B0604020202020204" pitchFamily="34" charset="0"/>
-                <a:cs typeface="Arial" panose="020B0604020202020204" pitchFamily="34" charset="0"/>
+                <a:latin typeface="Arial" panose="020B0604020202090204" pitchFamily="34" charset="0"/>
+                <a:cs typeface="Arial" panose="020B0604020202090204" pitchFamily="34" charset="0"/>
               </a:rPr>
               <a:t>app.post</a:t>
             </a:r>
             <a:r>
               <a:rPr lang="en-US" sz="2000" dirty="0">
-                <a:latin typeface="Arial" panose="020B0604020202020204" pitchFamily="34" charset="0"/>
-                <a:cs typeface="Arial" panose="020B0604020202020204" pitchFamily="34" charset="0"/>
+                <a:latin typeface="Arial" panose="020B0604020202090204" pitchFamily="34" charset="0"/>
+                <a:cs typeface="Arial" panose="020B0604020202090204" pitchFamily="34" charset="0"/>
               </a:rPr>
               <a:t>('/redeem', …)</a:t>
             </a:r>
+            <a:endParaRPr lang="en-US" sz="2000" dirty="0">
+              <a:latin typeface="Arial" panose="020B0604020202090204" pitchFamily="34" charset="0"/>
+              <a:cs typeface="Arial" panose="020B0604020202090204" pitchFamily="34" charset="0"/>
+            </a:endParaRPr>
           </a:p>
           <a:p>
             <a:pPr lvl="1"/>
             <a:r>
               <a:rPr lang="en-US" sz="2000" dirty="0">
-                <a:latin typeface="Arial" panose="020B0604020202020204" pitchFamily="34" charset="0"/>
-                <a:cs typeface="Arial" panose="020B0604020202020204" pitchFamily="34" charset="0"/>
+                <a:latin typeface="Arial" panose="020B0604020202090204" pitchFamily="34" charset="0"/>
+                <a:cs typeface="Arial" panose="020B0604020202090204" pitchFamily="34" charset="0"/>
               </a:rPr>
               <a:t>Task 4: </a:t>
             </a:r>
             <a:r>
               <a:rPr lang="en-US" sz="2000" dirty="0" err="1">
-                <a:latin typeface="Arial" panose="020B0604020202020204" pitchFamily="34" charset="0"/>
-                <a:cs typeface="Arial" panose="020B0604020202020204" pitchFamily="34" charset="0"/>
+                <a:latin typeface="Arial" panose="020B0604020202090204" pitchFamily="34" charset="0"/>
+                <a:cs typeface="Arial" panose="020B0604020202090204" pitchFamily="34" charset="0"/>
               </a:rPr>
               <a:t>app.get</a:t>
             </a:r>
             <a:r>
               <a:rPr lang="en-US" sz="2000" dirty="0">
-                <a:latin typeface="Arial" panose="020B0604020202020204" pitchFamily="34" charset="0"/>
-                <a:cs typeface="Arial" panose="020B0604020202020204" pitchFamily="34" charset="0"/>
+                <a:latin typeface="Arial" panose="020B0604020202090204" pitchFamily="34" charset="0"/>
+                <a:cs typeface="Arial" panose="020B0604020202090204" pitchFamily="34" charset="0"/>
               </a:rPr>
               <a:t>('/list', …)</a:t>
             </a:r>
+            <a:endParaRPr lang="en-US" sz="2000" dirty="0">
+              <a:latin typeface="Arial" panose="020B0604020202090204" pitchFamily="34" charset="0"/>
+              <a:cs typeface="Arial" panose="020B0604020202090204" pitchFamily="34" charset="0"/>
+            </a:endParaRPr>
           </a:p>
           <a:p>
             <a:pPr lvl="1"/>
             <a:endParaRPr lang="en-US" sz="1800" dirty="0">
-              <a:latin typeface="Arial" panose="020B0604020202020204" pitchFamily="34" charset="0"/>
-              <a:cs typeface="Arial" panose="020B0604020202020204" pitchFamily="34" charset="0"/>
+              <a:latin typeface="Arial" panose="020B0604020202090204" pitchFamily="34" charset="0"/>
+              <a:cs typeface="Arial" panose="020B0604020202090204" pitchFamily="34" charset="0"/>
             </a:endParaRPr>
           </a:p>
           <a:p>
@@ -4651,18 +4685,13 @@
               <a:buNone/>
             </a:pPr>
             <a:endParaRPr lang="en-US" sz="2000" dirty="0">
-              <a:latin typeface="Arial" panose="020B0604020202020204" pitchFamily="34" charset="0"/>
-              <a:cs typeface="Arial" panose="020B0604020202020204" pitchFamily="34" charset="0"/>
+              <a:latin typeface="Arial" panose="020B0604020202090204" pitchFamily="34" charset="0"/>
+              <a:cs typeface="Arial" panose="020B0604020202090204" pitchFamily="34" charset="0"/>
             </a:endParaRPr>
           </a:p>
         </p:txBody>
       </p:sp>
     </p:spTree>
-    <p:extLst>
-      <p:ext uri="{BB962C8B-B14F-4D97-AF65-F5344CB8AC3E}">
-        <p14:creationId xmlns:p14="http://schemas.microsoft.com/office/powerpoint/2010/main" val="2460745108"/>
-      </p:ext>
-    </p:extLst>
   </p:cSld>
   <p:clrMapOvr>
     <a:masterClrMapping/>
@@ -4689,13 +4718,7 @@
       </p:grpSpPr>
       <p:sp>
         <p:nvSpPr>
-          <p:cNvPr id="2" name="Title 1">
-            <a:extLst>
-              <a:ext uri="{FF2B5EF4-FFF2-40B4-BE49-F238E27FC236}">
-                <a16:creationId xmlns:a16="http://schemas.microsoft.com/office/drawing/2014/main" id="{1786A1A0-F824-4C7F-9937-83943ADE847E}"/>
-              </a:ext>
-            </a:extLst>
-          </p:cNvPr>
+          <p:cNvPr id="2" name="Title 1"/>
           <p:cNvSpPr>
             <a:spLocks noGrp="1"/>
           </p:cNvSpPr>
@@ -4717,23 +4740,21 @@
           <a:p>
             <a:r>
               <a:rPr lang="en-US" sz="2800" dirty="0">
-                <a:latin typeface="Arial" panose="020B0604020202020204" pitchFamily="34" charset="0"/>
-                <a:cs typeface="Arial" panose="020B0604020202020204" pitchFamily="34" charset="0"/>
+                <a:latin typeface="Arial" panose="020B0604020202090204" pitchFamily="34" charset="0"/>
+                <a:cs typeface="Arial" panose="020B0604020202090204" pitchFamily="34" charset="0"/>
               </a:rPr>
               <a:t>Task 1: Create a session to remember authenticated user (30%)</a:t>
             </a:r>
-          </a:p>
-        </p:txBody>
-      </p:sp>
-      <p:sp>
-        <p:nvSpPr>
-          <p:cNvPr id="3" name="Content Placeholder 2">
-            <a:extLst>
-              <a:ext uri="{FF2B5EF4-FFF2-40B4-BE49-F238E27FC236}">
-                <a16:creationId xmlns:a16="http://schemas.microsoft.com/office/drawing/2014/main" id="{BCB6DAB0-A6DC-4DD2-83F1-4EDDAB8104E9}"/>
-              </a:ext>
-            </a:extLst>
-          </p:cNvPr>
+            <a:endParaRPr lang="en-US" sz="2800" dirty="0">
+              <a:latin typeface="Arial" panose="020B0604020202090204" pitchFamily="34" charset="0"/>
+              <a:cs typeface="Arial" panose="020B0604020202090204" pitchFamily="34" charset="0"/>
+            </a:endParaRPr>
+          </a:p>
+        </p:txBody>
+      </p:sp>
+      <p:sp>
+        <p:nvSpPr>
+          <p:cNvPr id="3" name="Content Placeholder 2"/>
           <p:cNvSpPr>
             <a:spLocks noGrp="1"/>
           </p:cNvSpPr>
@@ -4758,32 +4779,36 @@
             </a:pPr>
             <a:r>
               <a:rPr lang="en-US" sz="2000" b="1" dirty="0">
-                <a:latin typeface="Arial" panose="020B0604020202020204" pitchFamily="34" charset="0"/>
-                <a:cs typeface="Arial" panose="020B0604020202020204" pitchFamily="34" charset="0"/>
+                <a:latin typeface="Arial" panose="020B0604020202090204" pitchFamily="34" charset="0"/>
+                <a:cs typeface="Arial" panose="020B0604020202090204" pitchFamily="34" charset="0"/>
               </a:rPr>
               <a:t>Requirements</a:t>
             </a:r>
             <a:r>
               <a:rPr lang="en-US" sz="2000" dirty="0">
-                <a:latin typeface="Arial" panose="020B0604020202020204" pitchFamily="34" charset="0"/>
-                <a:cs typeface="Arial" panose="020B0604020202020204" pitchFamily="34" charset="0"/>
+                <a:latin typeface="Arial" panose="020B0604020202090204" pitchFamily="34" charset="0"/>
+                <a:cs typeface="Arial" panose="020B0604020202090204" pitchFamily="34" charset="0"/>
               </a:rPr>
               <a:t>: Modify the callback function of </a:t>
             </a:r>
             <a:r>
               <a:rPr lang="en-US" sz="2000" dirty="0" err="1">
-                <a:latin typeface="Arial" panose="020B0604020202020204" pitchFamily="34" charset="0"/>
-                <a:cs typeface="Arial" panose="020B0604020202020204" pitchFamily="34" charset="0"/>
+                <a:latin typeface="Arial" panose="020B0604020202090204" pitchFamily="34" charset="0"/>
+                <a:cs typeface="Arial" panose="020B0604020202090204" pitchFamily="34" charset="0"/>
               </a:rPr>
               <a:t>app.post</a:t>
             </a:r>
             <a:r>
               <a:rPr lang="en-US" sz="2000" dirty="0">
-                <a:latin typeface="Arial" panose="020B0604020202020204" pitchFamily="34" charset="0"/>
-                <a:cs typeface="Arial" panose="020B0604020202020204" pitchFamily="34" charset="0"/>
+                <a:latin typeface="Arial" panose="020B0604020202090204" pitchFamily="34" charset="0"/>
+                <a:cs typeface="Arial" panose="020B0604020202090204" pitchFamily="34" charset="0"/>
               </a:rPr>
               <a:t>('/login', …) to perform the following tasks:</a:t>
             </a:r>
+            <a:endParaRPr lang="en-US" sz="2000" dirty="0">
+              <a:latin typeface="Arial" panose="020B0604020202090204" pitchFamily="34" charset="0"/>
+              <a:cs typeface="Arial" panose="020B0604020202090204" pitchFamily="34" charset="0"/>
+            </a:endParaRPr>
           </a:p>
           <a:p>
             <a:pPr marL="457200" indent="-457200">
@@ -4792,21 +4817,29 @@
             </a:pPr>
             <a:r>
               <a:rPr lang="en-US" sz="2000" dirty="0">
-                <a:latin typeface="Arial" panose="020B0604020202020204" pitchFamily="34" charset="0"/>
-                <a:cs typeface="Arial" panose="020B0604020202020204" pitchFamily="34" charset="0"/>
+                <a:latin typeface="Arial" panose="020B0604020202090204" pitchFamily="34" charset="0"/>
+                <a:cs typeface="Arial" panose="020B0604020202090204" pitchFamily="34" charset="0"/>
               </a:rPr>
               <a:t>Retrieve the username and password from the request's body</a:t>
             </a:r>
+            <a:endParaRPr lang="en-US" sz="2000" dirty="0">
+              <a:latin typeface="Arial" panose="020B0604020202090204" pitchFamily="34" charset="0"/>
+              <a:cs typeface="Arial" panose="020B0604020202090204" pitchFamily="34" charset="0"/>
+            </a:endParaRPr>
           </a:p>
           <a:p>
             <a:pPr lvl="1"/>
             <a:r>
               <a:rPr lang="en-US" sz="1800" dirty="0">
-                <a:latin typeface="Arial" panose="020B0604020202020204" pitchFamily="34" charset="0"/>
-                <a:cs typeface="Arial" panose="020B0604020202020204" pitchFamily="34" charset="0"/>
+                <a:latin typeface="Arial" panose="020B0604020202090204" pitchFamily="34" charset="0"/>
+                <a:cs typeface="Arial" panose="020B0604020202090204" pitchFamily="34" charset="0"/>
               </a:rPr>
               <a:t>The values of "username" and "password" are URL-encoded in the body of the request.</a:t>
             </a:r>
+            <a:endParaRPr lang="en-US" sz="1800" dirty="0">
+              <a:latin typeface="Arial" panose="020B0604020202090204" pitchFamily="34" charset="0"/>
+              <a:cs typeface="Arial" panose="020B0604020202090204" pitchFamily="34" charset="0"/>
+            </a:endParaRPr>
           </a:p>
           <a:p>
             <a:pPr marL="457200" indent="-457200">
@@ -4814,8 +4847,8 @@
               <a:buAutoNum type="arabicPeriod"/>
             </a:pPr>
             <a:endParaRPr lang="en-US" sz="2000" dirty="0">
-              <a:latin typeface="Arial" panose="020B0604020202020204" pitchFamily="34" charset="0"/>
-              <a:cs typeface="Arial" panose="020B0604020202020204" pitchFamily="34" charset="0"/>
+              <a:latin typeface="Arial" panose="020B0604020202090204" pitchFamily="34" charset="0"/>
+              <a:cs typeface="Arial" panose="020B0604020202090204" pitchFamily="34" charset="0"/>
             </a:endParaRPr>
           </a:p>
           <a:p>
@@ -4825,49 +4858,57 @@
             </a:pPr>
             <a:r>
               <a:rPr lang="en-US" sz="2000" dirty="0">
-                <a:latin typeface="Arial" panose="020B0604020202020204" pitchFamily="34" charset="0"/>
-                <a:cs typeface="Arial" panose="020B0604020202020204" pitchFamily="34" charset="0"/>
+                <a:latin typeface="Arial" panose="020B0604020202090204" pitchFamily="34" charset="0"/>
+                <a:cs typeface="Arial" panose="020B0604020202090204" pitchFamily="34" charset="0"/>
               </a:rPr>
               <a:t>Call </a:t>
             </a:r>
             <a:r>
               <a:rPr lang="en-US" sz="2000" dirty="0" err="1">
-                <a:latin typeface="Arial" panose="020B0604020202020204" pitchFamily="34" charset="0"/>
-                <a:cs typeface="Arial" panose="020B0604020202020204" pitchFamily="34" charset="0"/>
+                <a:latin typeface="Arial" panose="020B0604020202090204" pitchFamily="34" charset="0"/>
+                <a:cs typeface="Arial" panose="020B0604020202090204" pitchFamily="34" charset="0"/>
               </a:rPr>
               <a:t>User.authenticate</a:t>
             </a:r>
             <a:r>
               <a:rPr lang="en-US" sz="2000" dirty="0">
-                <a:latin typeface="Arial" panose="020B0604020202020204" pitchFamily="34" charset="0"/>
-                <a:cs typeface="Arial" panose="020B0604020202020204" pitchFamily="34" charset="0"/>
+                <a:latin typeface="Arial" panose="020B0604020202090204" pitchFamily="34" charset="0"/>
+                <a:cs typeface="Arial" panose="020B0604020202090204" pitchFamily="34" charset="0"/>
               </a:rPr>
               <a:t>() to authenticate the user</a:t>
             </a:r>
+            <a:endParaRPr lang="en-US" sz="2000" dirty="0">
+              <a:latin typeface="Arial" panose="020B0604020202090204" pitchFamily="34" charset="0"/>
+              <a:cs typeface="Arial" panose="020B0604020202090204" pitchFamily="34" charset="0"/>
+            </a:endParaRPr>
           </a:p>
           <a:p>
             <a:pPr lvl="1"/>
             <a:r>
               <a:rPr lang="en-US" sz="1800" dirty="0">
-                <a:latin typeface="Arial" panose="020B0604020202020204" pitchFamily="34" charset="0"/>
-                <a:cs typeface="Arial" panose="020B0604020202020204" pitchFamily="34" charset="0"/>
+                <a:latin typeface="Arial" panose="020B0604020202090204" pitchFamily="34" charset="0"/>
+                <a:cs typeface="Arial" panose="020B0604020202090204" pitchFamily="34" charset="0"/>
               </a:rPr>
               <a:t>"User" refers to the module implemented in "</a:t>
             </a:r>
             <a:r>
               <a:rPr lang="en-US" sz="1800" dirty="0" err="1">
-                <a:latin typeface="Arial" panose="020B0604020202020204" pitchFamily="34" charset="0"/>
-                <a:cs typeface="Arial" panose="020B0604020202020204" pitchFamily="34" charset="0"/>
+                <a:latin typeface="Arial" panose="020B0604020202090204" pitchFamily="34" charset="0"/>
+                <a:cs typeface="Arial" panose="020B0604020202090204" pitchFamily="34" charset="0"/>
               </a:rPr>
               <a:t>js</a:t>
             </a:r>
             <a:r>
               <a:rPr lang="en-US" sz="1800" dirty="0">
-                <a:latin typeface="Arial" panose="020B0604020202020204" pitchFamily="34" charset="0"/>
-                <a:cs typeface="Arial" panose="020B0604020202020204" pitchFamily="34" charset="0"/>
+                <a:latin typeface="Arial" panose="020B0604020202090204" pitchFamily="34" charset="0"/>
+                <a:cs typeface="Arial" panose="020B0604020202090204" pitchFamily="34" charset="0"/>
               </a:rPr>
               <a:t>/user.js"</a:t>
             </a:r>
+            <a:endParaRPr lang="en-US" sz="1800" dirty="0">
+              <a:latin typeface="Arial" panose="020B0604020202090204" pitchFamily="34" charset="0"/>
+              <a:cs typeface="Arial" panose="020B0604020202090204" pitchFamily="34" charset="0"/>
+            </a:endParaRPr>
           </a:p>
           <a:p>
             <a:pPr marL="457200" indent="-457200">
@@ -4875,8 +4916,8 @@
               <a:buAutoNum type="arabicPeriod"/>
             </a:pPr>
             <a:endParaRPr lang="en-US" sz="2000" dirty="0">
-              <a:latin typeface="Arial" panose="020B0604020202020204" pitchFamily="34" charset="0"/>
-              <a:cs typeface="Arial" panose="020B0604020202020204" pitchFamily="34" charset="0"/>
+              <a:latin typeface="Arial" panose="020B0604020202090204" pitchFamily="34" charset="0"/>
+              <a:cs typeface="Arial" panose="020B0604020202090204" pitchFamily="34" charset="0"/>
             </a:endParaRPr>
           </a:p>
           <a:p>
@@ -4886,29 +4927,37 @@
             </a:pPr>
             <a:r>
               <a:rPr lang="en-US" sz="2000" dirty="0">
-                <a:latin typeface="Arial" panose="020B0604020202020204" pitchFamily="34" charset="0"/>
-                <a:cs typeface="Arial" panose="020B0604020202020204" pitchFamily="34" charset="0"/>
+                <a:latin typeface="Arial" panose="020B0604020202090204" pitchFamily="34" charset="0"/>
+                <a:cs typeface="Arial" panose="020B0604020202090204" pitchFamily="34" charset="0"/>
               </a:rPr>
               <a:t>If authentication is successful, create a NEW session to remember the user. Otherwise, destroy the current session.</a:t>
             </a:r>
+            <a:endParaRPr lang="en-US" sz="2000" dirty="0">
+              <a:latin typeface="Arial" panose="020B0604020202090204" pitchFamily="34" charset="0"/>
+              <a:cs typeface="Arial" panose="020B0604020202090204" pitchFamily="34" charset="0"/>
+            </a:endParaRPr>
           </a:p>
           <a:p>
             <a:pPr lvl="1"/>
             <a:r>
               <a:rPr lang="en-US" sz="1800" dirty="0">
-                <a:latin typeface="Arial" panose="020B0604020202020204" pitchFamily="34" charset="0"/>
-                <a:cs typeface="Arial" panose="020B0604020202020204" pitchFamily="34" charset="0"/>
+                <a:latin typeface="Arial" panose="020B0604020202090204" pitchFamily="34" charset="0"/>
+                <a:cs typeface="Arial" panose="020B0604020202090204" pitchFamily="34" charset="0"/>
               </a:rPr>
               <a:t>The session should be configured to last until the browser terminates.</a:t>
             </a:r>
+            <a:endParaRPr lang="en-US" sz="1800" dirty="0">
+              <a:latin typeface="Arial" panose="020B0604020202090204" pitchFamily="34" charset="0"/>
+              <a:cs typeface="Arial" panose="020B0604020202090204" pitchFamily="34" charset="0"/>
+            </a:endParaRPr>
           </a:p>
           <a:p>
             <a:pPr marL="0" indent="0">
               <a:buNone/>
             </a:pPr>
             <a:endParaRPr lang="en-US" sz="2000" dirty="0">
-              <a:latin typeface="Arial" panose="020B0604020202020204" pitchFamily="34" charset="0"/>
-              <a:cs typeface="Arial" panose="020B0604020202020204" pitchFamily="34" charset="0"/>
+              <a:latin typeface="Arial" panose="020B0604020202090204" pitchFamily="34" charset="0"/>
+              <a:cs typeface="Arial" panose="020B0604020202090204" pitchFamily="34" charset="0"/>
             </a:endParaRPr>
           </a:p>
           <a:p>
@@ -4917,29 +4966,32 @@
             </a:pPr>
             <a:r>
               <a:rPr lang="en-US" sz="2000" b="1" dirty="0">
-                <a:latin typeface="Arial" panose="020B0604020202020204" pitchFamily="34" charset="0"/>
-                <a:cs typeface="Arial" panose="020B0604020202020204" pitchFamily="34" charset="0"/>
+                <a:latin typeface="Arial" panose="020B0604020202090204" pitchFamily="34" charset="0"/>
+                <a:cs typeface="Arial" panose="020B0604020202090204" pitchFamily="34" charset="0"/>
               </a:rPr>
               <a:t>Notes</a:t>
             </a:r>
+            <a:endParaRPr lang="en-US" sz="2000" b="1" dirty="0">
+              <a:latin typeface="Arial" panose="020B0604020202090204" pitchFamily="34" charset="0"/>
+              <a:cs typeface="Arial" panose="020B0604020202090204" pitchFamily="34" charset="0"/>
+            </a:endParaRPr>
           </a:p>
           <a:p>
             <a:r>
               <a:rPr lang="en-US" sz="2000" dirty="0">
-                <a:latin typeface="Arial" panose="020B0604020202020204" pitchFamily="34" charset="0"/>
-                <a:cs typeface="Arial" panose="020B0604020202020204" pitchFamily="34" charset="0"/>
+                <a:latin typeface="Arial" panose="020B0604020202090204" pitchFamily="34" charset="0"/>
+                <a:cs typeface="Arial" panose="020B0604020202090204" pitchFamily="34" charset="0"/>
               </a:rPr>
               <a:t>You can access the page /login.html to test your code in task 1.</a:t>
             </a:r>
+            <a:endParaRPr lang="en-US" sz="2000" dirty="0">
+              <a:latin typeface="Arial" panose="020B0604020202090204" pitchFamily="34" charset="0"/>
+              <a:cs typeface="Arial" panose="020B0604020202090204" pitchFamily="34" charset="0"/>
+            </a:endParaRPr>
           </a:p>
         </p:txBody>
       </p:sp>
     </p:spTree>
-    <p:extLst>
-      <p:ext uri="{BB962C8B-B14F-4D97-AF65-F5344CB8AC3E}">
-        <p14:creationId xmlns:p14="http://schemas.microsoft.com/office/powerpoint/2010/main" val="492153895"/>
-      </p:ext>
-    </p:extLst>
   </p:cSld>
   <p:clrMapOvr>
     <a:masterClrMapping/>
@@ -4966,13 +5018,7 @@
       </p:grpSpPr>
       <p:sp>
         <p:nvSpPr>
-          <p:cNvPr id="2" name="Title 1">
-            <a:extLst>
-              <a:ext uri="{FF2B5EF4-FFF2-40B4-BE49-F238E27FC236}">
-                <a16:creationId xmlns:a16="http://schemas.microsoft.com/office/drawing/2014/main" id="{1786A1A0-F824-4C7F-9937-83943ADE847E}"/>
-              </a:ext>
-            </a:extLst>
-          </p:cNvPr>
+          <p:cNvPr id="2" name="Title 1"/>
           <p:cNvSpPr>
             <a:spLocks noGrp="1"/>
           </p:cNvSpPr>
@@ -4994,23 +5040,21 @@
           <a:p>
             <a:r>
               <a:rPr lang="en-US" sz="3200" dirty="0">
-                <a:latin typeface="Arial" panose="020B0604020202020204" pitchFamily="34" charset="0"/>
-                <a:cs typeface="Arial" panose="020B0604020202020204" pitchFamily="34" charset="0"/>
+                <a:latin typeface="Arial" panose="020B0604020202090204" pitchFamily="34" charset="0"/>
+                <a:cs typeface="Arial" panose="020B0604020202090204" pitchFamily="34" charset="0"/>
               </a:rPr>
               <a:t>Task 2: Logout the current user (10%)</a:t>
             </a:r>
-          </a:p>
-        </p:txBody>
-      </p:sp>
-      <p:sp>
-        <p:nvSpPr>
-          <p:cNvPr id="3" name="Content Placeholder 2">
-            <a:extLst>
-              <a:ext uri="{FF2B5EF4-FFF2-40B4-BE49-F238E27FC236}">
-                <a16:creationId xmlns:a16="http://schemas.microsoft.com/office/drawing/2014/main" id="{BCB6DAB0-A6DC-4DD2-83F1-4EDDAB8104E9}"/>
-              </a:ext>
-            </a:extLst>
-          </p:cNvPr>
+            <a:endParaRPr lang="en-US" sz="3200" dirty="0">
+              <a:latin typeface="Arial" panose="020B0604020202090204" pitchFamily="34" charset="0"/>
+              <a:cs typeface="Arial" panose="020B0604020202090204" pitchFamily="34" charset="0"/>
+            </a:endParaRPr>
+          </a:p>
+        </p:txBody>
+      </p:sp>
+      <p:sp>
+        <p:nvSpPr>
+          <p:cNvPr id="3" name="Content Placeholder 2"/>
           <p:cNvSpPr>
             <a:spLocks noGrp="1"/>
           </p:cNvSpPr>
@@ -5035,40 +5079,44 @@
             </a:pPr>
             <a:r>
               <a:rPr lang="en-US" sz="2000" b="1" dirty="0">
-                <a:latin typeface="Arial" panose="020B0604020202020204" pitchFamily="34" charset="0"/>
-                <a:cs typeface="Arial" panose="020B0604020202020204" pitchFamily="34" charset="0"/>
+                <a:latin typeface="Arial" panose="020B0604020202090204" pitchFamily="34" charset="0"/>
+                <a:cs typeface="Arial" panose="020B0604020202090204" pitchFamily="34" charset="0"/>
               </a:rPr>
               <a:t>Requirements</a:t>
             </a:r>
             <a:r>
               <a:rPr lang="en-US" sz="2000" dirty="0">
-                <a:latin typeface="Arial" panose="020B0604020202020204" pitchFamily="34" charset="0"/>
-                <a:cs typeface="Arial" panose="020B0604020202020204" pitchFamily="34" charset="0"/>
+                <a:latin typeface="Arial" panose="020B0604020202090204" pitchFamily="34" charset="0"/>
+                <a:cs typeface="Arial" panose="020B0604020202090204" pitchFamily="34" charset="0"/>
               </a:rPr>
               <a:t>: Modify the callback function of </a:t>
             </a:r>
             <a:r>
               <a:rPr lang="en-US" sz="2000" dirty="0" err="1">
-                <a:latin typeface="Arial" panose="020B0604020202020204" pitchFamily="34" charset="0"/>
-                <a:cs typeface="Arial" panose="020B0604020202020204" pitchFamily="34" charset="0"/>
+                <a:latin typeface="Arial" panose="020B0604020202090204" pitchFamily="34" charset="0"/>
+                <a:cs typeface="Arial" panose="020B0604020202090204" pitchFamily="34" charset="0"/>
               </a:rPr>
               <a:t>app.get</a:t>
             </a:r>
             <a:r>
               <a:rPr lang="en-US" sz="2000" dirty="0">
-                <a:latin typeface="Arial" panose="020B0604020202020204" pitchFamily="34" charset="0"/>
-                <a:cs typeface="Arial" panose="020B0604020202020204" pitchFamily="34" charset="0"/>
+                <a:latin typeface="Arial" panose="020B0604020202090204" pitchFamily="34" charset="0"/>
+                <a:cs typeface="Arial" panose="020B0604020202090204" pitchFamily="34" charset="0"/>
               </a:rPr>
               <a:t> ('/logout', …) to logout the user by destroying the session, and then redirect the user to "/login.html".</a:t>
             </a:r>
+            <a:endParaRPr lang="en-US" sz="2000" dirty="0">
+              <a:latin typeface="Arial" panose="020B0604020202090204" pitchFamily="34" charset="0"/>
+              <a:cs typeface="Arial" panose="020B0604020202090204" pitchFamily="34" charset="0"/>
+            </a:endParaRPr>
           </a:p>
           <a:p>
             <a:pPr marL="0" indent="0">
               <a:buNone/>
             </a:pPr>
             <a:endParaRPr lang="en-US" sz="2000" dirty="0">
-              <a:latin typeface="Arial" panose="020B0604020202020204" pitchFamily="34" charset="0"/>
-              <a:cs typeface="Arial" panose="020B0604020202020204" pitchFamily="34" charset="0"/>
+              <a:latin typeface="Arial" panose="020B0604020202090204" pitchFamily="34" charset="0"/>
+              <a:cs typeface="Arial" panose="020B0604020202090204" pitchFamily="34" charset="0"/>
             </a:endParaRPr>
           </a:p>
           <a:p>
@@ -5077,29 +5125,32 @@
             </a:pPr>
             <a:r>
               <a:rPr lang="en-US" sz="2000" b="1" dirty="0">
-                <a:latin typeface="Arial" panose="020B0604020202020204" pitchFamily="34" charset="0"/>
-                <a:cs typeface="Arial" panose="020B0604020202020204" pitchFamily="34" charset="0"/>
+                <a:latin typeface="Arial" panose="020B0604020202090204" pitchFamily="34" charset="0"/>
+                <a:cs typeface="Arial" panose="020B0604020202090204" pitchFamily="34" charset="0"/>
               </a:rPr>
               <a:t>Notes</a:t>
             </a:r>
+            <a:endParaRPr lang="en-US" sz="2000" b="1" dirty="0">
+              <a:latin typeface="Arial" panose="020B0604020202090204" pitchFamily="34" charset="0"/>
+              <a:cs typeface="Arial" panose="020B0604020202090204" pitchFamily="34" charset="0"/>
+            </a:endParaRPr>
           </a:p>
           <a:p>
             <a:r>
               <a:rPr lang="en-US" sz="2000" dirty="0">
-                <a:latin typeface="Arial" panose="020B0604020202020204" pitchFamily="34" charset="0"/>
-                <a:cs typeface="Arial" panose="020B0604020202020204" pitchFamily="34" charset="0"/>
+                <a:latin typeface="Arial" panose="020B0604020202090204" pitchFamily="34" charset="0"/>
+                <a:cs typeface="Arial" panose="020B0604020202090204" pitchFamily="34" charset="0"/>
               </a:rPr>
               <a:t>You can access the URL /logout to test your code in task 2.</a:t>
             </a:r>
+            <a:endParaRPr lang="en-US" sz="2000" dirty="0">
+              <a:latin typeface="Arial" panose="020B0604020202090204" pitchFamily="34" charset="0"/>
+              <a:cs typeface="Arial" panose="020B0604020202090204" pitchFamily="34" charset="0"/>
+            </a:endParaRPr>
           </a:p>
         </p:txBody>
       </p:sp>
     </p:spTree>
-    <p:extLst>
-      <p:ext uri="{BB962C8B-B14F-4D97-AF65-F5344CB8AC3E}">
-        <p14:creationId xmlns:p14="http://schemas.microsoft.com/office/powerpoint/2010/main" val="1397462448"/>
-      </p:ext>
-    </p:extLst>
   </p:cSld>
   <p:clrMapOvr>
     <a:masterClrMapping/>
@@ -5126,13 +5177,7 @@
       </p:grpSpPr>
       <p:sp>
         <p:nvSpPr>
-          <p:cNvPr id="2" name="Title 1">
-            <a:extLst>
-              <a:ext uri="{FF2B5EF4-FFF2-40B4-BE49-F238E27FC236}">
-                <a16:creationId xmlns:a16="http://schemas.microsoft.com/office/drawing/2014/main" id="{1786A1A0-F824-4C7F-9937-83943ADE847E}"/>
-              </a:ext>
-            </a:extLst>
-          </p:cNvPr>
+          <p:cNvPr id="2" name="Title 1"/>
           <p:cNvSpPr>
             <a:spLocks noGrp="1"/>
           </p:cNvSpPr>
@@ -5154,23 +5199,21 @@
           <a:p>
             <a:r>
               <a:rPr lang="en-US" sz="3200" dirty="0">
-                <a:latin typeface="Arial" panose="020B0604020202020204" pitchFamily="34" charset="0"/>
-                <a:cs typeface="Arial" panose="020B0604020202020204" pitchFamily="34" charset="0"/>
+                <a:latin typeface="Arial" panose="020B0604020202090204" pitchFamily="34" charset="0"/>
+                <a:cs typeface="Arial" panose="020B0604020202090204" pitchFamily="34" charset="0"/>
               </a:rPr>
               <a:t>Task 3: Let the current user redeem an item (30%)</a:t>
             </a:r>
-          </a:p>
-        </p:txBody>
-      </p:sp>
-      <p:sp>
-        <p:nvSpPr>
-          <p:cNvPr id="3" name="Content Placeholder 2">
-            <a:extLst>
-              <a:ext uri="{FF2B5EF4-FFF2-40B4-BE49-F238E27FC236}">
-                <a16:creationId xmlns:a16="http://schemas.microsoft.com/office/drawing/2014/main" id="{BCB6DAB0-A6DC-4DD2-83F1-4EDDAB8104E9}"/>
-              </a:ext>
-            </a:extLst>
-          </p:cNvPr>
+            <a:endParaRPr lang="en-US" sz="3200" dirty="0">
+              <a:latin typeface="Arial" panose="020B0604020202090204" pitchFamily="34" charset="0"/>
+              <a:cs typeface="Arial" panose="020B0604020202090204" pitchFamily="34" charset="0"/>
+            </a:endParaRPr>
+          </a:p>
+        </p:txBody>
+      </p:sp>
+      <p:sp>
+        <p:nvSpPr>
+          <p:cNvPr id="3" name="Content Placeholder 2"/>
           <p:cNvSpPr>
             <a:spLocks noGrp="1"/>
           </p:cNvSpPr>
@@ -5195,32 +5238,36 @@
             </a:pPr>
             <a:r>
               <a:rPr lang="en-US" sz="2000" b="1" dirty="0">
-                <a:latin typeface="Arial" panose="020B0604020202020204" pitchFamily="34" charset="0"/>
-                <a:cs typeface="Arial" panose="020B0604020202020204" pitchFamily="34" charset="0"/>
+                <a:latin typeface="Arial" panose="020B0604020202090204" pitchFamily="34" charset="0"/>
+                <a:cs typeface="Arial" panose="020B0604020202090204" pitchFamily="34" charset="0"/>
               </a:rPr>
               <a:t>Requirements</a:t>
             </a:r>
             <a:r>
               <a:rPr lang="en-US" sz="2000" dirty="0">
-                <a:latin typeface="Arial" panose="020B0604020202020204" pitchFamily="34" charset="0"/>
-                <a:cs typeface="Arial" panose="020B0604020202020204" pitchFamily="34" charset="0"/>
+                <a:latin typeface="Arial" panose="020B0604020202090204" pitchFamily="34" charset="0"/>
+                <a:cs typeface="Arial" panose="020B0604020202090204" pitchFamily="34" charset="0"/>
               </a:rPr>
               <a:t>: Modify the callback function of </a:t>
             </a:r>
             <a:r>
               <a:rPr lang="en-US" sz="2000" dirty="0" err="1">
-                <a:latin typeface="Arial" panose="020B0604020202020204" pitchFamily="34" charset="0"/>
-                <a:cs typeface="Arial" panose="020B0604020202020204" pitchFamily="34" charset="0"/>
+                <a:latin typeface="Arial" panose="020B0604020202090204" pitchFamily="34" charset="0"/>
+                <a:cs typeface="Arial" panose="020B0604020202090204" pitchFamily="34" charset="0"/>
               </a:rPr>
               <a:t>app.post</a:t>
             </a:r>
             <a:r>
               <a:rPr lang="en-US" sz="2000" dirty="0">
-                <a:latin typeface="Arial" panose="020B0604020202020204" pitchFamily="34" charset="0"/>
-                <a:cs typeface="Arial" panose="020B0604020202020204" pitchFamily="34" charset="0"/>
+                <a:latin typeface="Arial" panose="020B0604020202090204" pitchFamily="34" charset="0"/>
+                <a:cs typeface="Arial" panose="020B0604020202090204" pitchFamily="34" charset="0"/>
               </a:rPr>
               <a:t>('/redeem', …) to perform the following tasks:</a:t>
             </a:r>
+            <a:endParaRPr lang="en-US" sz="2000" dirty="0">
+              <a:latin typeface="Arial" panose="020B0604020202090204" pitchFamily="34" charset="0"/>
+              <a:cs typeface="Arial" panose="020B0604020202090204" pitchFamily="34" charset="0"/>
+            </a:endParaRPr>
           </a:p>
           <a:p>
             <a:pPr marL="457200" indent="-457200">
@@ -5229,11 +5276,15 @@
             </a:pPr>
             <a:r>
               <a:rPr lang="en-US" sz="2000" dirty="0">
-                <a:latin typeface="Arial" panose="020B0604020202020204" pitchFamily="34" charset="0"/>
-                <a:cs typeface="Arial" panose="020B0604020202020204" pitchFamily="34" charset="0"/>
+                <a:latin typeface="Arial" panose="020B0604020202090204" pitchFamily="34" charset="0"/>
+                <a:cs typeface="Arial" panose="020B0604020202090204" pitchFamily="34" charset="0"/>
               </a:rPr>
               <a:t>If the user is not currently logged in, redirect the client to "/login.html"</a:t>
             </a:r>
+            <a:endParaRPr lang="en-US" sz="2000" dirty="0">
+              <a:latin typeface="Arial" panose="020B0604020202090204" pitchFamily="34" charset="0"/>
+              <a:cs typeface="Arial" panose="020B0604020202090204" pitchFamily="34" charset="0"/>
+            </a:endParaRPr>
           </a:p>
           <a:p>
             <a:pPr marL="457200" indent="-457200">
@@ -5241,8 +5292,8 @@
               <a:buAutoNum type="arabicPeriod"/>
             </a:pPr>
             <a:endParaRPr lang="en-US" sz="2000" dirty="0">
-              <a:latin typeface="Arial" panose="020B0604020202020204" pitchFamily="34" charset="0"/>
-              <a:cs typeface="Arial" panose="020B0604020202020204" pitchFamily="34" charset="0"/>
+              <a:latin typeface="Arial" panose="020B0604020202090204" pitchFamily="34" charset="0"/>
+              <a:cs typeface="Arial" panose="020B0604020202090204" pitchFamily="34" charset="0"/>
             </a:endParaRPr>
           </a:p>
           <a:p>
@@ -5252,25 +5303,29 @@
             </a:pPr>
             <a:r>
               <a:rPr lang="en-US" sz="2000" dirty="0">
-                <a:latin typeface="Arial" panose="020B0604020202020204" pitchFamily="34" charset="0"/>
-                <a:cs typeface="Arial" panose="020B0604020202020204" pitchFamily="34" charset="0"/>
+                <a:latin typeface="Arial" panose="020B0604020202090204" pitchFamily="34" charset="0"/>
+                <a:cs typeface="Arial" panose="020B0604020202090204" pitchFamily="34" charset="0"/>
               </a:rPr>
               <a:t>Retrieve the </a:t>
             </a:r>
             <a:r>
               <a:rPr lang="en-US" sz="2000" dirty="0" err="1">
-                <a:latin typeface="Arial" panose="020B0604020202020204" pitchFamily="34" charset="0"/>
-                <a:cs typeface="Arial" panose="020B0604020202020204" pitchFamily="34" charset="0"/>
+                <a:latin typeface="Arial" panose="020B0604020202090204" pitchFamily="34" charset="0"/>
+                <a:cs typeface="Arial" panose="020B0604020202090204" pitchFamily="34" charset="0"/>
               </a:rPr>
               <a:t>user_id</a:t>
             </a:r>
             <a:r>
               <a:rPr lang="en-US" sz="2000" dirty="0">
-                <a:latin typeface="Arial" panose="020B0604020202020204" pitchFamily="34" charset="0"/>
-                <a:cs typeface="Arial" panose="020B0604020202020204" pitchFamily="34" charset="0"/>
+                <a:latin typeface="Arial" panose="020B0604020202090204" pitchFamily="34" charset="0"/>
+                <a:cs typeface="Arial" panose="020B0604020202090204" pitchFamily="34" charset="0"/>
               </a:rPr>
               <a:t> from the session (if the user is currently logged in)</a:t>
             </a:r>
+            <a:endParaRPr lang="en-US" sz="2000" dirty="0">
+              <a:latin typeface="Arial" panose="020B0604020202090204" pitchFamily="34" charset="0"/>
+              <a:cs typeface="Arial" panose="020B0604020202090204" pitchFamily="34" charset="0"/>
+            </a:endParaRPr>
           </a:p>
           <a:p>
             <a:pPr marL="457200" indent="-457200">
@@ -5278,8 +5333,8 @@
               <a:buAutoNum type="arabicPeriod"/>
             </a:pPr>
             <a:endParaRPr lang="en-US" sz="2000" dirty="0">
-              <a:latin typeface="Arial" panose="020B0604020202020204" pitchFamily="34" charset="0"/>
-              <a:cs typeface="Arial" panose="020B0604020202020204" pitchFamily="34" charset="0"/>
+              <a:latin typeface="Arial" panose="020B0604020202090204" pitchFamily="34" charset="0"/>
+              <a:cs typeface="Arial" panose="020B0604020202090204" pitchFamily="34" charset="0"/>
             </a:endParaRPr>
           </a:p>
           <a:p>
@@ -5289,49 +5344,57 @@
             </a:pPr>
             <a:r>
               <a:rPr lang="en-US" sz="2000" dirty="0">
-                <a:latin typeface="Arial" panose="020B0604020202020204" pitchFamily="34" charset="0"/>
-                <a:cs typeface="Arial" panose="020B0604020202020204" pitchFamily="34" charset="0"/>
+                <a:latin typeface="Arial" panose="020B0604020202090204" pitchFamily="34" charset="0"/>
+                <a:cs typeface="Arial" panose="020B0604020202090204" pitchFamily="34" charset="0"/>
               </a:rPr>
               <a:t>Retrieve the </a:t>
             </a:r>
             <a:r>
               <a:rPr lang="en-US" sz="2000" dirty="0" err="1">
-                <a:latin typeface="Arial" panose="020B0604020202020204" pitchFamily="34" charset="0"/>
-                <a:cs typeface="Arial" panose="020B0604020202020204" pitchFamily="34" charset="0"/>
+                <a:latin typeface="Arial" panose="020B0604020202090204" pitchFamily="34" charset="0"/>
+                <a:cs typeface="Arial" panose="020B0604020202090204" pitchFamily="34" charset="0"/>
               </a:rPr>
               <a:t>item_id</a:t>
             </a:r>
             <a:r>
               <a:rPr lang="en-US" sz="2000" dirty="0">
-                <a:latin typeface="Arial" panose="020B0604020202020204" pitchFamily="34" charset="0"/>
-                <a:cs typeface="Arial" panose="020B0604020202020204" pitchFamily="34" charset="0"/>
+                <a:latin typeface="Arial" panose="020B0604020202090204" pitchFamily="34" charset="0"/>
+                <a:cs typeface="Arial" panose="020B0604020202090204" pitchFamily="34" charset="0"/>
               </a:rPr>
               <a:t> from the request's body</a:t>
             </a:r>
+            <a:endParaRPr lang="en-US" sz="2000" dirty="0">
+              <a:latin typeface="Arial" panose="020B0604020202090204" pitchFamily="34" charset="0"/>
+              <a:cs typeface="Arial" panose="020B0604020202090204" pitchFamily="34" charset="0"/>
+            </a:endParaRPr>
           </a:p>
           <a:p>
             <a:pPr lvl="1"/>
             <a:r>
               <a:rPr lang="en-US" sz="1800" dirty="0">
-                <a:latin typeface="Arial" panose="020B0604020202020204" pitchFamily="34" charset="0"/>
-                <a:cs typeface="Arial" panose="020B0604020202020204" pitchFamily="34" charset="0"/>
+                <a:latin typeface="Arial" panose="020B0604020202090204" pitchFamily="34" charset="0"/>
+                <a:cs typeface="Arial" panose="020B0604020202090204" pitchFamily="34" charset="0"/>
               </a:rPr>
               <a:t>The value of "</a:t>
             </a:r>
             <a:r>
               <a:rPr lang="en-US" sz="1800" dirty="0" err="1">
-                <a:latin typeface="Arial" panose="020B0604020202020204" pitchFamily="34" charset="0"/>
-                <a:cs typeface="Arial" panose="020B0604020202020204" pitchFamily="34" charset="0"/>
+                <a:latin typeface="Arial" panose="020B0604020202090204" pitchFamily="34" charset="0"/>
+                <a:cs typeface="Arial" panose="020B0604020202090204" pitchFamily="34" charset="0"/>
               </a:rPr>
               <a:t>item_id</a:t>
             </a:r>
             <a:r>
               <a:rPr lang="en-US" sz="1800" dirty="0">
-                <a:latin typeface="Arial" panose="020B0604020202020204" pitchFamily="34" charset="0"/>
-                <a:cs typeface="Arial" panose="020B0604020202020204" pitchFamily="34" charset="0"/>
+                <a:latin typeface="Arial" panose="020B0604020202090204" pitchFamily="34" charset="0"/>
+                <a:cs typeface="Arial" panose="020B0604020202090204" pitchFamily="34" charset="0"/>
               </a:rPr>
               <a:t>" is URL-encoded in the body of the request.</a:t>
             </a:r>
+            <a:endParaRPr lang="en-US" sz="1800" dirty="0">
+              <a:latin typeface="Arial" panose="020B0604020202090204" pitchFamily="34" charset="0"/>
+              <a:cs typeface="Arial" panose="020B0604020202090204" pitchFamily="34" charset="0"/>
+            </a:endParaRPr>
           </a:p>
           <a:p>
             <a:pPr marL="457200" indent="-457200">
@@ -5339,8 +5402,8 @@
               <a:buAutoNum type="arabicPeriod"/>
             </a:pPr>
             <a:endParaRPr lang="en-US" sz="2000" dirty="0">
-              <a:latin typeface="Arial" panose="020B0604020202020204" pitchFamily="34" charset="0"/>
-              <a:cs typeface="Arial" panose="020B0604020202020204" pitchFamily="34" charset="0"/>
+              <a:latin typeface="Arial" panose="020B0604020202090204" pitchFamily="34" charset="0"/>
+              <a:cs typeface="Arial" panose="020B0604020202090204" pitchFamily="34" charset="0"/>
             </a:endParaRPr>
           </a:p>
           <a:p>
@@ -5350,85 +5413,93 @@
             </a:pPr>
             <a:r>
               <a:rPr lang="en-US" sz="2000" dirty="0">
-                <a:latin typeface="Arial" panose="020B0604020202020204" pitchFamily="34" charset="0"/>
-                <a:cs typeface="Arial" panose="020B0604020202020204" pitchFamily="34" charset="0"/>
+                <a:latin typeface="Arial" panose="020B0604020202090204" pitchFamily="34" charset="0"/>
+                <a:cs typeface="Arial" panose="020B0604020202090204" pitchFamily="34" charset="0"/>
               </a:rPr>
               <a:t>Call </a:t>
             </a:r>
             <a:r>
               <a:rPr lang="en-US" sz="2000" dirty="0" err="1">
-                <a:latin typeface="Arial" panose="020B0604020202020204" pitchFamily="34" charset="0"/>
-                <a:cs typeface="Arial" panose="020B0604020202020204" pitchFamily="34" charset="0"/>
+                <a:latin typeface="Arial" panose="020B0604020202090204" pitchFamily="34" charset="0"/>
+                <a:cs typeface="Arial" panose="020B0604020202090204" pitchFamily="34" charset="0"/>
               </a:rPr>
               <a:t>Redeem.redeem</a:t>
             </a:r>
             <a:r>
               <a:rPr lang="en-US" sz="2000" dirty="0">
-                <a:latin typeface="Arial" panose="020B0604020202020204" pitchFamily="34" charset="0"/>
-                <a:cs typeface="Arial" panose="020B0604020202020204" pitchFamily="34" charset="0"/>
+                <a:latin typeface="Arial" panose="020B0604020202090204" pitchFamily="34" charset="0"/>
+                <a:cs typeface="Arial" panose="020B0604020202090204" pitchFamily="34" charset="0"/>
               </a:rPr>
               <a:t>(</a:t>
             </a:r>
             <a:r>
               <a:rPr lang="en-US" sz="2000" dirty="0" err="1">
-                <a:latin typeface="Arial" panose="020B0604020202020204" pitchFamily="34" charset="0"/>
-                <a:cs typeface="Arial" panose="020B0604020202020204" pitchFamily="34" charset="0"/>
+                <a:latin typeface="Arial" panose="020B0604020202090204" pitchFamily="34" charset="0"/>
+                <a:cs typeface="Arial" panose="020B0604020202090204" pitchFamily="34" charset="0"/>
               </a:rPr>
               <a:t>user_id</a:t>
             </a:r>
             <a:r>
               <a:rPr lang="en-US" sz="2000" dirty="0">
-                <a:latin typeface="Arial" panose="020B0604020202020204" pitchFamily="34" charset="0"/>
-                <a:cs typeface="Arial" panose="020B0604020202020204" pitchFamily="34" charset="0"/>
+                <a:latin typeface="Arial" panose="020B0604020202090204" pitchFamily="34" charset="0"/>
+                <a:cs typeface="Arial" panose="020B0604020202090204" pitchFamily="34" charset="0"/>
               </a:rPr>
               <a:t>, </a:t>
             </a:r>
             <a:r>
               <a:rPr lang="en-US" sz="2000" dirty="0" err="1">
-                <a:latin typeface="Arial" panose="020B0604020202020204" pitchFamily="34" charset="0"/>
-                <a:cs typeface="Arial" panose="020B0604020202020204" pitchFamily="34" charset="0"/>
+                <a:latin typeface="Arial" panose="020B0604020202090204" pitchFamily="34" charset="0"/>
+                <a:cs typeface="Arial" panose="020B0604020202090204" pitchFamily="34" charset="0"/>
               </a:rPr>
               <a:t>item_id</a:t>
             </a:r>
             <a:r>
               <a:rPr lang="en-US" sz="2000" dirty="0">
-                <a:latin typeface="Arial" panose="020B0604020202020204" pitchFamily="34" charset="0"/>
-                <a:cs typeface="Arial" panose="020B0604020202020204" pitchFamily="34" charset="0"/>
+                <a:latin typeface="Arial" panose="020B0604020202090204" pitchFamily="34" charset="0"/>
+                <a:cs typeface="Arial" panose="020B0604020202090204" pitchFamily="34" charset="0"/>
               </a:rPr>
               <a:t>) to redeem the item for the current user.</a:t>
             </a:r>
+            <a:endParaRPr lang="en-US" sz="2000" dirty="0">
+              <a:latin typeface="Arial" panose="020B0604020202090204" pitchFamily="34" charset="0"/>
+              <a:cs typeface="Arial" panose="020B0604020202090204" pitchFamily="34" charset="0"/>
+            </a:endParaRPr>
           </a:p>
           <a:p>
             <a:pPr lvl="1"/>
             <a:r>
               <a:rPr lang="en-US" sz="1800" dirty="0">
-                <a:latin typeface="Arial" panose="020B0604020202020204" pitchFamily="34" charset="0"/>
-                <a:cs typeface="Arial" panose="020B0604020202020204" pitchFamily="34" charset="0"/>
+                <a:latin typeface="Arial" panose="020B0604020202090204" pitchFamily="34" charset="0"/>
+                <a:cs typeface="Arial" panose="020B0604020202090204" pitchFamily="34" charset="0"/>
               </a:rPr>
               <a:t>"Redeem" refers to the module implemented in "</a:t>
             </a:r>
             <a:r>
               <a:rPr lang="en-US" sz="1800" dirty="0" err="1">
-                <a:latin typeface="Arial" panose="020B0604020202020204" pitchFamily="34" charset="0"/>
-                <a:cs typeface="Arial" panose="020B0604020202020204" pitchFamily="34" charset="0"/>
+                <a:latin typeface="Arial" panose="020B0604020202090204" pitchFamily="34" charset="0"/>
+                <a:cs typeface="Arial" panose="020B0604020202090204" pitchFamily="34" charset="0"/>
               </a:rPr>
               <a:t>js</a:t>
             </a:r>
             <a:r>
               <a:rPr lang="en-US" sz="1800" dirty="0">
-                <a:latin typeface="Arial" panose="020B0604020202020204" pitchFamily="34" charset="0"/>
-                <a:cs typeface="Arial" panose="020B0604020202020204" pitchFamily="34" charset="0"/>
+                <a:latin typeface="Arial" panose="020B0604020202090204" pitchFamily="34" charset="0"/>
+                <a:cs typeface="Arial" panose="020B0604020202090204" pitchFamily="34" charset="0"/>
               </a:rPr>
               <a:t>/redeem.js"</a:t>
             </a:r>
+            <a:endParaRPr lang="en-US" sz="1800" dirty="0">
+              <a:latin typeface="Arial" panose="020B0604020202090204" pitchFamily="34" charset="0"/>
+              <a:cs typeface="Arial" panose="020B0604020202090204" pitchFamily="34" charset="0"/>
+            </a:endParaRPr>
           </a:p>
           <a:p>
             <a:pPr marL="0" indent="0">
               <a:buNone/>
             </a:pPr>
             <a:endParaRPr lang="en-US" sz="2000" dirty="0">
-              <a:latin typeface="Arial" panose="020B0604020202020204" pitchFamily="34" charset="0"/>
-              <a:cs typeface="Arial" panose="020B0604020202020204" pitchFamily="34" charset="0"/>
+              <a:latin typeface="Arial" panose="020B0604020202090204" pitchFamily="34" charset="0"/>
+              <a:cs typeface="Arial" panose="020B0604020202090204" pitchFamily="34" charset="0"/>
             </a:endParaRPr>
           </a:p>
           <a:p>
@@ -5437,29 +5508,32 @@
             </a:pPr>
             <a:r>
               <a:rPr lang="en-US" sz="2000" b="1" dirty="0">
-                <a:latin typeface="Arial" panose="020B0604020202020204" pitchFamily="34" charset="0"/>
-                <a:cs typeface="Arial" panose="020B0604020202020204" pitchFamily="34" charset="0"/>
+                <a:latin typeface="Arial" panose="020B0604020202090204" pitchFamily="34" charset="0"/>
+                <a:cs typeface="Arial" panose="020B0604020202090204" pitchFamily="34" charset="0"/>
               </a:rPr>
               <a:t>Notes</a:t>
             </a:r>
+            <a:endParaRPr lang="en-US" sz="2000" b="1" dirty="0">
+              <a:latin typeface="Arial" panose="020B0604020202090204" pitchFamily="34" charset="0"/>
+              <a:cs typeface="Arial" panose="020B0604020202090204" pitchFamily="34" charset="0"/>
+            </a:endParaRPr>
           </a:p>
           <a:p>
             <a:r>
               <a:rPr lang="en-US" sz="2000" dirty="0">
-                <a:latin typeface="Arial" panose="020B0604020202020204" pitchFamily="34" charset="0"/>
-                <a:cs typeface="Arial" panose="020B0604020202020204" pitchFamily="34" charset="0"/>
+                <a:latin typeface="Arial" panose="020B0604020202090204" pitchFamily="34" charset="0"/>
+                <a:cs typeface="Arial" panose="020B0604020202090204" pitchFamily="34" charset="0"/>
               </a:rPr>
               <a:t>You can access the page /redeem.html to test your code in task 3.</a:t>
             </a:r>
+            <a:endParaRPr lang="en-US" sz="2000" dirty="0">
+              <a:latin typeface="Arial" panose="020B0604020202090204" pitchFamily="34" charset="0"/>
+              <a:cs typeface="Arial" panose="020B0604020202090204" pitchFamily="34" charset="0"/>
+            </a:endParaRPr>
           </a:p>
         </p:txBody>
       </p:sp>
     </p:spTree>
-    <p:extLst>
-      <p:ext uri="{BB962C8B-B14F-4D97-AF65-F5344CB8AC3E}">
-        <p14:creationId xmlns:p14="http://schemas.microsoft.com/office/powerpoint/2010/main" val="2874963978"/>
-      </p:ext>
-    </p:extLst>
   </p:cSld>
   <p:clrMapOvr>
     <a:masterClrMapping/>
@@ -5510,7 +5584,7 @@
     </a:clrScheme>
     <a:fontScheme name="Office">
       <a:majorFont>
-        <a:latin typeface="Calibri Light" panose="020F0302020204030204"/>
+        <a:latin typeface="Calibri Light"/>
         <a:ea typeface=""/>
         <a:cs typeface=""/>
         <a:font script="Jpan" typeface="游ゴシック Light"/>
@@ -5543,26 +5617,9 @@
         <a:font script="Viet" typeface="Times New Roman"/>
         <a:font script="Uigh" typeface="Microsoft Uighur"/>
         <a:font script="Geor" typeface="Sylfaen"/>
-        <a:font script="Armn" typeface="Arial"/>
-        <a:font script="Bugi" typeface="Leelawadee UI"/>
-        <a:font script="Bopo" typeface="Microsoft JhengHei"/>
-        <a:font script="Java" typeface="Javanese Text"/>
-        <a:font script="Lisu" typeface="Segoe UI"/>
-        <a:font script="Mymr" typeface="Myanmar Text"/>
-        <a:font script="Nkoo" typeface="Ebrima"/>
-        <a:font script="Olck" typeface="Nirmala UI"/>
-        <a:font script="Osma" typeface="Ebrima"/>
-        <a:font script="Phag" typeface="Phagspa"/>
-        <a:font script="Syrn" typeface="Estrangelo Edessa"/>
-        <a:font script="Syrj" typeface="Estrangelo Edessa"/>
-        <a:font script="Syre" typeface="Estrangelo Edessa"/>
-        <a:font script="Sora" typeface="Nirmala UI"/>
-        <a:font script="Tale" typeface="Microsoft Tai Le"/>
-        <a:font script="Talu" typeface="Microsoft New Tai Lue"/>
-        <a:font script="Tfng" typeface="Ebrima"/>
       </a:majorFont>
       <a:minorFont>
-        <a:latin typeface="Calibri" panose="020F0502020204030204"/>
+        <a:latin typeface="Calibri"/>
         <a:ea typeface=""/>
         <a:cs typeface=""/>
         <a:font script="Jpan" typeface="游ゴシック"/>
@@ -5595,23 +5652,6 @@
         <a:font script="Viet" typeface="Arial"/>
         <a:font script="Uigh" typeface="Microsoft Uighur"/>
         <a:font script="Geor" typeface="Sylfaen"/>
-        <a:font script="Armn" typeface="Arial"/>
-        <a:font script="Bugi" typeface="Leelawadee UI"/>
-        <a:font script="Bopo" typeface="Microsoft JhengHei"/>
-        <a:font script="Java" typeface="Javanese Text"/>
-        <a:font script="Lisu" typeface="Segoe UI"/>
-        <a:font script="Mymr" typeface="Myanmar Text"/>
-        <a:font script="Nkoo" typeface="Ebrima"/>
-        <a:font script="Olck" typeface="Nirmala UI"/>
-        <a:font script="Osma" typeface="Ebrima"/>
-        <a:font script="Phag" typeface="Phagspa"/>
-        <a:font script="Syrn" typeface="Estrangelo Edessa"/>
-        <a:font script="Syrj" typeface="Estrangelo Edessa"/>
-        <a:font script="Syre" typeface="Estrangelo Edessa"/>
-        <a:font script="Sora" typeface="Nirmala UI"/>
-        <a:font script="Tale" typeface="Microsoft Tai Le"/>
-        <a:font script="Talu" typeface="Microsoft New Tai Lue"/>
-        <a:font script="Tfng" typeface="Ebrima"/>
       </a:minorFont>
     </a:fontScheme>
     <a:fmtScheme name="Office">
@@ -5752,8 +5792,6 @@
       </a:bgFillStyleLst>
     </a:fmtScheme>
   </a:themeElements>
-  <a:objectDefaults/>
-  <a:extraClrSchemeLst/>
   <a:extLst>
     <a:ext uri="{05A4C25C-085E-4340-85A3-A5531E510DB2}">
       <thm15:themeFamily xmlns:thm15="http://schemas.microsoft.com/office/thememl/2012/main" name="Office Theme" id="{62F939B6-93AF-4DB8-9C6B-D6C7DFDC589F}" vid="{4A3C46E8-61CC-4603-A589-7422A47A8E4A}"/>
